--- a/images/chap3/ch3.pptx
+++ b/images/chap3/ch3.pptx
@@ -17,6 +17,11 @@
     <p:sldId id="265" r:id="rId11"/>
     <p:sldId id="266" r:id="rId12"/>
     <p:sldId id="267" r:id="rId13"/>
+    <p:sldId id="268" r:id="rId14"/>
+    <p:sldId id="269" r:id="rId15"/>
+    <p:sldId id="270" r:id="rId16"/>
+    <p:sldId id="271" r:id="rId17"/>
+    <p:sldId id="272" r:id="rId18"/>
   </p:sldIdLst>
   <p:sldSz cx="12192000" cy="6858000"/>
   <p:notesSz cx="6858000" cy="9144000"/>
@@ -115,6 +120,11 @@
       </a:defRPr>
     </a:lvl9pPr>
   </p:defaultTextStyle>
+  <p:extLst>
+    <p:ext uri="{EFAFB233-063F-42B5-8137-9DF3F51BA10A}">
+      <p15:sldGuideLst xmlns:p15="http://schemas.microsoft.com/office/powerpoint/2012/main"/>
+    </p:ext>
+  </p:extLst>
 </p:presentation>
 </file>
 
@@ -265,7 +275,7 @@
           <a:p>
             <a:fld id="{40CA56F0-85A7-42C5-888F-A17618727442}" type="datetimeFigureOut">
               <a:rPr lang="ko-KR" altLang="en-US" smtClean="0"/>
-              <a:t>2021-08-05</a:t>
+              <a:t>2021-08-07</a:t>
             </a:fld>
             <a:endParaRPr lang="ko-KR" altLang="en-US"/>
           </a:p>
@@ -463,7 +473,7 @@
           <a:p>
             <a:fld id="{40CA56F0-85A7-42C5-888F-A17618727442}" type="datetimeFigureOut">
               <a:rPr lang="ko-KR" altLang="en-US" smtClean="0"/>
-              <a:t>2021-08-05</a:t>
+              <a:t>2021-08-07</a:t>
             </a:fld>
             <a:endParaRPr lang="ko-KR" altLang="en-US"/>
           </a:p>
@@ -671,7 +681,7 @@
           <a:p>
             <a:fld id="{40CA56F0-85A7-42C5-888F-A17618727442}" type="datetimeFigureOut">
               <a:rPr lang="ko-KR" altLang="en-US" smtClean="0"/>
-              <a:t>2021-08-05</a:t>
+              <a:t>2021-08-07</a:t>
             </a:fld>
             <a:endParaRPr lang="ko-KR" altLang="en-US"/>
           </a:p>
@@ -869,7 +879,7 @@
           <a:p>
             <a:fld id="{40CA56F0-85A7-42C5-888F-A17618727442}" type="datetimeFigureOut">
               <a:rPr lang="ko-KR" altLang="en-US" smtClean="0"/>
-              <a:t>2021-08-05</a:t>
+              <a:t>2021-08-07</a:t>
             </a:fld>
             <a:endParaRPr lang="ko-KR" altLang="en-US"/>
           </a:p>
@@ -1144,7 +1154,7 @@
           <a:p>
             <a:fld id="{40CA56F0-85A7-42C5-888F-A17618727442}" type="datetimeFigureOut">
               <a:rPr lang="ko-KR" altLang="en-US" smtClean="0"/>
-              <a:t>2021-08-05</a:t>
+              <a:t>2021-08-07</a:t>
             </a:fld>
             <a:endParaRPr lang="ko-KR" altLang="en-US"/>
           </a:p>
@@ -1409,7 +1419,7 @@
           <a:p>
             <a:fld id="{40CA56F0-85A7-42C5-888F-A17618727442}" type="datetimeFigureOut">
               <a:rPr lang="ko-KR" altLang="en-US" smtClean="0"/>
-              <a:t>2021-08-05</a:t>
+              <a:t>2021-08-07</a:t>
             </a:fld>
             <a:endParaRPr lang="ko-KR" altLang="en-US"/>
           </a:p>
@@ -1821,7 +1831,7 @@
           <a:p>
             <a:fld id="{40CA56F0-85A7-42C5-888F-A17618727442}" type="datetimeFigureOut">
               <a:rPr lang="ko-KR" altLang="en-US" smtClean="0"/>
-              <a:t>2021-08-05</a:t>
+              <a:t>2021-08-07</a:t>
             </a:fld>
             <a:endParaRPr lang="ko-KR" altLang="en-US"/>
           </a:p>
@@ -1962,7 +1972,7 @@
           <a:p>
             <a:fld id="{40CA56F0-85A7-42C5-888F-A17618727442}" type="datetimeFigureOut">
               <a:rPr lang="ko-KR" altLang="en-US" smtClean="0"/>
-              <a:t>2021-08-05</a:t>
+              <a:t>2021-08-07</a:t>
             </a:fld>
             <a:endParaRPr lang="ko-KR" altLang="en-US"/>
           </a:p>
@@ -2075,7 +2085,7 @@
           <a:p>
             <a:fld id="{40CA56F0-85A7-42C5-888F-A17618727442}" type="datetimeFigureOut">
               <a:rPr lang="ko-KR" altLang="en-US" smtClean="0"/>
-              <a:t>2021-08-05</a:t>
+              <a:t>2021-08-07</a:t>
             </a:fld>
             <a:endParaRPr lang="ko-KR" altLang="en-US"/>
           </a:p>
@@ -2386,7 +2396,7 @@
           <a:p>
             <a:fld id="{40CA56F0-85A7-42C5-888F-A17618727442}" type="datetimeFigureOut">
               <a:rPr lang="ko-KR" altLang="en-US" smtClean="0"/>
-              <a:t>2021-08-05</a:t>
+              <a:t>2021-08-07</a:t>
             </a:fld>
             <a:endParaRPr lang="ko-KR" altLang="en-US"/>
           </a:p>
@@ -2674,7 +2684,7 @@
           <a:p>
             <a:fld id="{40CA56F0-85A7-42C5-888F-A17618727442}" type="datetimeFigureOut">
               <a:rPr lang="ko-KR" altLang="en-US" smtClean="0"/>
-              <a:t>2021-08-05</a:t>
+              <a:t>2021-08-07</a:t>
             </a:fld>
             <a:endParaRPr lang="ko-KR" altLang="en-US"/>
           </a:p>
@@ -2915,7 +2925,7 @@
           <a:p>
             <a:fld id="{40CA56F0-85A7-42C5-888F-A17618727442}" type="datetimeFigureOut">
               <a:rPr lang="ko-KR" altLang="en-US" smtClean="0"/>
-              <a:t>2021-08-05</a:t>
+              <a:t>2021-08-07</a:t>
             </a:fld>
             <a:endParaRPr lang="ko-KR" altLang="en-US"/>
           </a:p>
@@ -9081,6 +9091,3604 @@
 </p:sld>
 </file>
 
+<file path=ppt/slides/slide13.xml><?xml version="1.0" encoding="utf-8"?>
+<p:sld xmlns:a="http://schemas.openxmlformats.org/drawingml/2006/main" xmlns:r="http://schemas.openxmlformats.org/officeDocument/2006/relationships" xmlns:p="http://schemas.openxmlformats.org/presentationml/2006/main">
+  <p:cSld>
+    <p:spTree>
+      <p:nvGrpSpPr>
+        <p:cNvPr id="1" name=""/>
+        <p:cNvGrpSpPr/>
+        <p:nvPr/>
+      </p:nvGrpSpPr>
+      <p:grpSpPr>
+        <a:xfrm>
+          <a:off x="0" y="0"/>
+          <a:ext cx="0" cy="0"/>
+          <a:chOff x="0" y="0"/>
+          <a:chExt cx="0" cy="0"/>
+        </a:xfrm>
+      </p:grpSpPr>
+      <p:grpSp>
+        <p:nvGrpSpPr>
+          <p:cNvPr id="24" name="그룹 23">
+            <a:extLst>
+              <a:ext uri="{FF2B5EF4-FFF2-40B4-BE49-F238E27FC236}">
+                <a16:creationId xmlns:a16="http://schemas.microsoft.com/office/drawing/2014/main" id="{AFC16A79-4327-428E-BD2B-04107B37CA39}"/>
+              </a:ext>
+            </a:extLst>
+          </p:cNvPr>
+          <p:cNvGrpSpPr/>
+          <p:nvPr/>
+        </p:nvGrpSpPr>
+        <p:grpSpPr>
+          <a:xfrm>
+            <a:off x="395337" y="2161356"/>
+            <a:ext cx="11401325" cy="2535288"/>
+            <a:chOff x="395337" y="2525288"/>
+            <a:chExt cx="11401325" cy="2535288"/>
+          </a:xfrm>
+        </p:grpSpPr>
+        <p:grpSp>
+          <p:nvGrpSpPr>
+            <p:cNvPr id="22" name="그룹 21">
+              <a:extLst>
+                <a:ext uri="{FF2B5EF4-FFF2-40B4-BE49-F238E27FC236}">
+                  <a16:creationId xmlns:a16="http://schemas.microsoft.com/office/drawing/2014/main" id="{CEE17E93-03DE-4CB7-8486-2013FA4DCF71}"/>
+                </a:ext>
+              </a:extLst>
+            </p:cNvPr>
+            <p:cNvGrpSpPr/>
+            <p:nvPr/>
+          </p:nvGrpSpPr>
+          <p:grpSpPr>
+            <a:xfrm>
+              <a:off x="395337" y="2525288"/>
+              <a:ext cx="11401325" cy="1807423"/>
+              <a:chOff x="683041" y="2408058"/>
+              <a:chExt cx="11401325" cy="1807423"/>
+            </a:xfrm>
+          </p:grpSpPr>
+          <p:sp>
+            <p:nvSpPr>
+              <p:cNvPr id="6" name="직사각형 5">
+                <a:extLst>
+                  <a:ext uri="{FF2B5EF4-FFF2-40B4-BE49-F238E27FC236}">
+                    <a16:creationId xmlns:a16="http://schemas.microsoft.com/office/drawing/2014/main" id="{D025AE77-760F-4482-B0AC-AD06F85F00F3}"/>
+                  </a:ext>
+                </a:extLst>
+              </p:cNvPr>
+              <p:cNvSpPr/>
+              <p:nvPr/>
+            </p:nvSpPr>
+            <p:spPr>
+              <a:xfrm>
+                <a:off x="1436077" y="2408058"/>
+                <a:ext cx="9319846" cy="175846"/>
+              </a:xfrm>
+              <a:prstGeom prst="rect">
+                <a:avLst/>
+              </a:prstGeom>
+              <a:solidFill>
+                <a:schemeClr val="bg1"/>
+              </a:solidFill>
+              <a:effectLst>
+                <a:outerShdw blurRad="50800" dist="50800" dir="5400000" algn="ctr" rotWithShape="0">
+                  <a:schemeClr val="tx1">
+                    <a:lumMod val="50000"/>
+                    <a:lumOff val="50000"/>
+                  </a:schemeClr>
+                </a:outerShdw>
+              </a:effectLst>
+            </p:spPr>
+            <p:style>
+              <a:lnRef idx="2">
+                <a:schemeClr val="accent1">
+                  <a:shade val="50000"/>
+                </a:schemeClr>
+              </a:lnRef>
+              <a:fillRef idx="1">
+                <a:schemeClr val="accent1"/>
+              </a:fillRef>
+              <a:effectRef idx="0">
+                <a:schemeClr val="accent1"/>
+              </a:effectRef>
+              <a:fontRef idx="minor">
+                <a:schemeClr val="lt1"/>
+              </a:fontRef>
+            </p:style>
+            <p:txBody>
+              <a:bodyPr rtlCol="0" anchor="ctr"/>
+              <a:lstStyle/>
+              <a:p>
+                <a:pPr algn="ctr"/>
+                <a:endParaRPr lang="ko-KR" altLang="en-US"/>
+              </a:p>
+            </p:txBody>
+          </p:sp>
+          <p:sp>
+            <p:nvSpPr>
+              <p:cNvPr id="8" name="직사각형 7">
+                <a:extLst>
+                  <a:ext uri="{FF2B5EF4-FFF2-40B4-BE49-F238E27FC236}">
+                    <a16:creationId xmlns:a16="http://schemas.microsoft.com/office/drawing/2014/main" id="{40DD6608-6D72-4698-9B33-CA23AAB8A8FD}"/>
+                  </a:ext>
+                </a:extLst>
+              </p:cNvPr>
+              <p:cNvSpPr/>
+              <p:nvPr/>
+            </p:nvSpPr>
+            <p:spPr>
+              <a:xfrm>
+                <a:off x="1436077" y="4039635"/>
+                <a:ext cx="9319846" cy="175846"/>
+              </a:xfrm>
+              <a:prstGeom prst="rect">
+                <a:avLst/>
+              </a:prstGeom>
+              <a:solidFill>
+                <a:schemeClr val="bg1"/>
+              </a:solidFill>
+              <a:effectLst>
+                <a:outerShdw blurRad="50800" dist="50800" dir="5400000" algn="ctr" rotWithShape="0">
+                  <a:schemeClr val="tx1">
+                    <a:lumMod val="50000"/>
+                    <a:lumOff val="50000"/>
+                  </a:schemeClr>
+                </a:outerShdw>
+              </a:effectLst>
+            </p:spPr>
+            <p:style>
+              <a:lnRef idx="2">
+                <a:schemeClr val="accent1">
+                  <a:shade val="50000"/>
+                </a:schemeClr>
+              </a:lnRef>
+              <a:fillRef idx="1">
+                <a:schemeClr val="accent1"/>
+              </a:fillRef>
+              <a:effectRef idx="0">
+                <a:schemeClr val="accent1"/>
+              </a:effectRef>
+              <a:fontRef idx="minor">
+                <a:schemeClr val="lt1"/>
+              </a:fontRef>
+            </p:style>
+            <p:txBody>
+              <a:bodyPr rtlCol="0" anchor="ctr"/>
+              <a:lstStyle/>
+              <a:p>
+                <a:pPr algn="ctr"/>
+                <a:endParaRPr lang="ko-KR" altLang="en-US"/>
+              </a:p>
+            </p:txBody>
+          </p:sp>
+          <p:sp>
+            <p:nvSpPr>
+              <p:cNvPr id="9" name="TextBox 8">
+                <a:extLst>
+                  <a:ext uri="{FF2B5EF4-FFF2-40B4-BE49-F238E27FC236}">
+                    <a16:creationId xmlns:a16="http://schemas.microsoft.com/office/drawing/2014/main" id="{9A273033-E865-4049-AFD7-49BD1C0FE2FA}"/>
+                  </a:ext>
+                </a:extLst>
+              </p:cNvPr>
+              <p:cNvSpPr txBox="1"/>
+              <p:nvPr/>
+            </p:nvSpPr>
+            <p:spPr>
+              <a:xfrm>
+                <a:off x="683041" y="3096326"/>
+                <a:ext cx="753036" cy="430887"/>
+              </a:xfrm>
+              <a:prstGeom prst="rect">
+                <a:avLst/>
+              </a:prstGeom>
+              <a:noFill/>
+            </p:spPr>
+            <p:txBody>
+              <a:bodyPr wrap="square" rtlCol="0">
+                <a:spAutoFit/>
+              </a:bodyPr>
+              <a:lstStyle/>
+              <a:p>
+                <a:pPr algn="ctr"/>
+                <a:r>
+                  <a:rPr lang="en-US" altLang="ko-KR" sz="2200"/>
+                  <a:t>rear</a:t>
+                </a:r>
+                <a:endParaRPr lang="ko-KR" altLang="en-US" sz="2200"/>
+              </a:p>
+            </p:txBody>
+          </p:sp>
+          <p:cxnSp>
+            <p:nvCxnSpPr>
+              <p:cNvPr id="11" name="직선 화살표 연결선 10">
+                <a:extLst>
+                  <a:ext uri="{FF2B5EF4-FFF2-40B4-BE49-F238E27FC236}">
+                    <a16:creationId xmlns:a16="http://schemas.microsoft.com/office/drawing/2014/main" id="{4292AF6D-0B38-4602-8CE8-A78CBB6ED326}"/>
+                  </a:ext>
+                </a:extLst>
+              </p:cNvPr>
+              <p:cNvCxnSpPr>
+                <a:cxnSpLocks/>
+              </p:cNvCxnSpPr>
+              <p:nvPr/>
+            </p:nvCxnSpPr>
+            <p:spPr>
+              <a:xfrm>
+                <a:off x="1436077" y="3311769"/>
+                <a:ext cx="1294718" cy="0"/>
+              </a:xfrm>
+              <a:prstGeom prst="straightConnector1">
+                <a:avLst/>
+              </a:prstGeom>
+              <a:ln w="31750">
+                <a:solidFill>
+                  <a:schemeClr val="tx1"/>
+                </a:solidFill>
+                <a:tailEnd type="triangle"/>
+              </a:ln>
+            </p:spPr>
+            <p:style>
+              <a:lnRef idx="1">
+                <a:schemeClr val="accent1"/>
+              </a:lnRef>
+              <a:fillRef idx="0">
+                <a:schemeClr val="accent1"/>
+              </a:fillRef>
+              <a:effectRef idx="0">
+                <a:schemeClr val="accent1"/>
+              </a:effectRef>
+              <a:fontRef idx="minor">
+                <a:schemeClr val="tx1"/>
+              </a:fontRef>
+            </p:style>
+          </p:cxnSp>
+          <p:sp>
+            <p:nvSpPr>
+              <p:cNvPr id="13" name="TextBox 12">
+                <a:extLst>
+                  <a:ext uri="{FF2B5EF4-FFF2-40B4-BE49-F238E27FC236}">
+                    <a16:creationId xmlns:a16="http://schemas.microsoft.com/office/drawing/2014/main" id="{AB9A06F1-B448-4816-A23D-29ADA059387E}"/>
+                  </a:ext>
+                </a:extLst>
+              </p:cNvPr>
+              <p:cNvSpPr txBox="1"/>
+              <p:nvPr/>
+            </p:nvSpPr>
+            <p:spPr>
+              <a:xfrm>
+                <a:off x="2892841" y="3096325"/>
+                <a:ext cx="753036" cy="430887"/>
+              </a:xfrm>
+              <a:prstGeom prst="rect">
+                <a:avLst/>
+              </a:prstGeom>
+              <a:noFill/>
+            </p:spPr>
+            <p:txBody>
+              <a:bodyPr wrap="square" rtlCol="0">
+                <a:spAutoFit/>
+              </a:bodyPr>
+              <a:lstStyle/>
+              <a:p>
+                <a:pPr algn="ctr"/>
+                <a:r>
+                  <a:rPr lang="en-US" altLang="ko-KR" sz="2200"/>
+                  <a:t>8.4</a:t>
+                </a:r>
+                <a:endParaRPr lang="ko-KR" altLang="en-US" sz="2200"/>
+              </a:p>
+            </p:txBody>
+          </p:sp>
+          <p:sp>
+            <p:nvSpPr>
+              <p:cNvPr id="14" name="TextBox 13">
+                <a:extLst>
+                  <a:ext uri="{FF2B5EF4-FFF2-40B4-BE49-F238E27FC236}">
+                    <a16:creationId xmlns:a16="http://schemas.microsoft.com/office/drawing/2014/main" id="{ED7522E1-E387-4C5B-A815-D44B09743D33}"/>
+                  </a:ext>
+                </a:extLst>
+              </p:cNvPr>
+              <p:cNvSpPr txBox="1"/>
+              <p:nvPr/>
+            </p:nvSpPr>
+            <p:spPr>
+              <a:xfrm>
+                <a:off x="4527765" y="3096324"/>
+                <a:ext cx="753036" cy="430887"/>
+              </a:xfrm>
+              <a:prstGeom prst="rect">
+                <a:avLst/>
+              </a:prstGeom>
+              <a:noFill/>
+            </p:spPr>
+            <p:txBody>
+              <a:bodyPr wrap="square" rtlCol="0">
+                <a:spAutoFit/>
+              </a:bodyPr>
+              <a:lstStyle/>
+              <a:p>
+                <a:pPr algn="ctr"/>
+                <a:r>
+                  <a:rPr lang="en-US" altLang="ko-KR" sz="2200"/>
+                  <a:t>True</a:t>
+                </a:r>
+                <a:endParaRPr lang="ko-KR" altLang="en-US" sz="2200"/>
+              </a:p>
+            </p:txBody>
+          </p:sp>
+          <p:sp>
+            <p:nvSpPr>
+              <p:cNvPr id="15" name="TextBox 14">
+                <a:extLst>
+                  <a:ext uri="{FF2B5EF4-FFF2-40B4-BE49-F238E27FC236}">
+                    <a16:creationId xmlns:a16="http://schemas.microsoft.com/office/drawing/2014/main" id="{9188CABD-2941-4319-9B11-AFA23DFBC0FC}"/>
+                  </a:ext>
+                </a:extLst>
+              </p:cNvPr>
+              <p:cNvSpPr txBox="1"/>
+              <p:nvPr/>
+            </p:nvSpPr>
+            <p:spPr>
+              <a:xfrm>
+                <a:off x="6737564" y="3096324"/>
+                <a:ext cx="958635" cy="430887"/>
+              </a:xfrm>
+              <a:prstGeom prst="rect">
+                <a:avLst/>
+              </a:prstGeom>
+              <a:noFill/>
+            </p:spPr>
+            <p:txBody>
+              <a:bodyPr wrap="square" rtlCol="0">
+                <a:spAutoFit/>
+              </a:bodyPr>
+              <a:lstStyle/>
+              <a:p>
+                <a:pPr algn="ctr"/>
+                <a:r>
+                  <a:rPr lang="en-US" altLang="ko-KR" sz="2200"/>
+                  <a:t>“dog”</a:t>
+                </a:r>
+                <a:endParaRPr lang="ko-KR" altLang="en-US" sz="2200"/>
+              </a:p>
+            </p:txBody>
+          </p:sp>
+          <p:sp>
+            <p:nvSpPr>
+              <p:cNvPr id="16" name="TextBox 15">
+                <a:extLst>
+                  <a:ext uri="{FF2B5EF4-FFF2-40B4-BE49-F238E27FC236}">
+                    <a16:creationId xmlns:a16="http://schemas.microsoft.com/office/drawing/2014/main" id="{BE9DFB08-1BD1-4F31-A54E-E73287926E74}"/>
+                  </a:ext>
+                </a:extLst>
+              </p:cNvPr>
+              <p:cNvSpPr txBox="1"/>
+              <p:nvPr/>
+            </p:nvSpPr>
+            <p:spPr>
+              <a:xfrm>
+                <a:off x="8372489" y="3096323"/>
+                <a:ext cx="753036" cy="430887"/>
+              </a:xfrm>
+              <a:prstGeom prst="rect">
+                <a:avLst/>
+              </a:prstGeom>
+              <a:noFill/>
+            </p:spPr>
+            <p:txBody>
+              <a:bodyPr wrap="square" rtlCol="0">
+                <a:spAutoFit/>
+              </a:bodyPr>
+              <a:lstStyle/>
+              <a:p>
+                <a:pPr algn="ctr"/>
+                <a:r>
+                  <a:rPr lang="en-US" altLang="ko-KR" sz="2200"/>
+                  <a:t>4</a:t>
+                </a:r>
+                <a:endParaRPr lang="ko-KR" altLang="en-US" sz="2200"/>
+              </a:p>
+            </p:txBody>
+          </p:sp>
+          <p:cxnSp>
+            <p:nvCxnSpPr>
+              <p:cNvPr id="17" name="직선 화살표 연결선 16">
+                <a:extLst>
+                  <a:ext uri="{FF2B5EF4-FFF2-40B4-BE49-F238E27FC236}">
+                    <a16:creationId xmlns:a16="http://schemas.microsoft.com/office/drawing/2014/main" id="{AA77BD4A-937E-401B-B7E4-9488B8F636C9}"/>
+                  </a:ext>
+                </a:extLst>
+              </p:cNvPr>
+              <p:cNvCxnSpPr>
+                <a:cxnSpLocks/>
+              </p:cNvCxnSpPr>
+              <p:nvPr/>
+            </p:nvCxnSpPr>
+            <p:spPr>
+              <a:xfrm>
+                <a:off x="9125525" y="3311766"/>
+                <a:ext cx="2018725" cy="0"/>
+              </a:xfrm>
+              <a:prstGeom prst="straightConnector1">
+                <a:avLst/>
+              </a:prstGeom>
+              <a:ln w="31750">
+                <a:solidFill>
+                  <a:schemeClr val="tx1"/>
+                </a:solidFill>
+                <a:tailEnd type="triangle"/>
+              </a:ln>
+            </p:spPr>
+            <p:style>
+              <a:lnRef idx="1">
+                <a:schemeClr val="accent1"/>
+              </a:lnRef>
+              <a:fillRef idx="0">
+                <a:schemeClr val="accent1"/>
+              </a:fillRef>
+              <a:effectRef idx="0">
+                <a:schemeClr val="accent1"/>
+              </a:effectRef>
+              <a:fontRef idx="minor">
+                <a:schemeClr val="tx1"/>
+              </a:fontRef>
+            </p:style>
+          </p:cxnSp>
+          <p:sp>
+            <p:nvSpPr>
+              <p:cNvPr id="20" name="TextBox 19">
+                <a:extLst>
+                  <a:ext uri="{FF2B5EF4-FFF2-40B4-BE49-F238E27FC236}">
+                    <a16:creationId xmlns:a16="http://schemas.microsoft.com/office/drawing/2014/main" id="{4C626BD2-0F90-42C9-AB7E-CA24C419C55C}"/>
+                  </a:ext>
+                </a:extLst>
+              </p:cNvPr>
+              <p:cNvSpPr txBox="1"/>
+              <p:nvPr/>
+            </p:nvSpPr>
+            <p:spPr>
+              <a:xfrm>
+                <a:off x="11144250" y="3096322"/>
+                <a:ext cx="940116" cy="430887"/>
+              </a:xfrm>
+              <a:prstGeom prst="rect">
+                <a:avLst/>
+              </a:prstGeom>
+              <a:noFill/>
+            </p:spPr>
+            <p:txBody>
+              <a:bodyPr wrap="square" rtlCol="0">
+                <a:spAutoFit/>
+              </a:bodyPr>
+              <a:lstStyle/>
+              <a:p>
+                <a:pPr algn="ctr"/>
+                <a:r>
+                  <a:rPr lang="en-US" altLang="ko-KR" sz="2200"/>
+                  <a:t>front</a:t>
+                </a:r>
+                <a:endParaRPr lang="ko-KR" altLang="en-US" sz="2200"/>
+              </a:p>
+            </p:txBody>
+          </p:sp>
+        </p:grpSp>
+        <p:sp>
+          <p:nvSpPr>
+            <p:cNvPr id="23" name="TextBox 22">
+              <a:extLst>
+                <a:ext uri="{FF2B5EF4-FFF2-40B4-BE49-F238E27FC236}">
+                  <a16:creationId xmlns:a16="http://schemas.microsoft.com/office/drawing/2014/main" id="{E126EAC6-1CF2-4CF5-AEBB-1109E9BBF8F9}"/>
+                </a:ext>
+              </a:extLst>
+            </p:cNvPr>
+            <p:cNvSpPr txBox="1"/>
+            <p:nvPr/>
+          </p:nvSpPr>
+          <p:spPr>
+            <a:xfrm>
+              <a:off x="5431778" y="4629689"/>
+              <a:ext cx="1018082" cy="430887"/>
+            </a:xfrm>
+            <a:prstGeom prst="rect">
+              <a:avLst/>
+            </a:prstGeom>
+            <a:noFill/>
+          </p:spPr>
+          <p:txBody>
+            <a:bodyPr wrap="square" rtlCol="0">
+              <a:spAutoFit/>
+            </a:bodyPr>
+            <a:lstStyle/>
+            <a:p>
+              <a:pPr algn="ctr"/>
+              <a:r>
+                <a:rPr lang="en-US" altLang="ko-KR" sz="2200"/>
+                <a:t>Items</a:t>
+              </a:r>
+              <a:endParaRPr lang="ko-KR" altLang="en-US" sz="2200"/>
+            </a:p>
+          </p:txBody>
+        </p:sp>
+      </p:grpSp>
+    </p:spTree>
+    <p:extLst>
+      <p:ext uri="{BB962C8B-B14F-4D97-AF65-F5344CB8AC3E}">
+        <p14:creationId xmlns:p14="http://schemas.microsoft.com/office/powerpoint/2010/main" val="1242347204"/>
+      </p:ext>
+    </p:extLst>
+  </p:cSld>
+  <p:clrMapOvr>
+    <a:masterClrMapping/>
+  </p:clrMapOvr>
+</p:sld>
+</file>
+
+<file path=ppt/slides/slide14.xml><?xml version="1.0" encoding="utf-8"?>
+<p:sld xmlns:a="http://schemas.openxmlformats.org/drawingml/2006/main" xmlns:r="http://schemas.openxmlformats.org/officeDocument/2006/relationships" xmlns:p="http://schemas.openxmlformats.org/presentationml/2006/main">
+  <p:cSld>
+    <p:spTree>
+      <p:nvGrpSpPr>
+        <p:cNvPr id="1" name=""/>
+        <p:cNvGrpSpPr/>
+        <p:nvPr/>
+      </p:nvGrpSpPr>
+      <p:grpSpPr>
+        <a:xfrm>
+          <a:off x="0" y="0"/>
+          <a:ext cx="0" cy="0"/>
+          <a:chOff x="0" y="0"/>
+          <a:chExt cx="0" cy="0"/>
+        </a:xfrm>
+      </p:grpSpPr>
+      <p:grpSp>
+        <p:nvGrpSpPr>
+          <p:cNvPr id="32" name="그룹 31">
+            <a:extLst>
+              <a:ext uri="{FF2B5EF4-FFF2-40B4-BE49-F238E27FC236}">
+                <a16:creationId xmlns:a16="http://schemas.microsoft.com/office/drawing/2014/main" id="{B1327AE8-A93A-4557-B143-836F4668140F}"/>
+              </a:ext>
+            </a:extLst>
+          </p:cNvPr>
+          <p:cNvGrpSpPr/>
+          <p:nvPr/>
+        </p:nvGrpSpPr>
+        <p:grpSpPr>
+          <a:xfrm>
+            <a:off x="1587845" y="654423"/>
+            <a:ext cx="9016309" cy="5549154"/>
+            <a:chOff x="1118292" y="654423"/>
+            <a:chExt cx="9016309" cy="5549154"/>
+          </a:xfrm>
+        </p:grpSpPr>
+        <p:sp>
+          <p:nvSpPr>
+            <p:cNvPr id="4" name="타원 3">
+              <a:extLst>
+                <a:ext uri="{FF2B5EF4-FFF2-40B4-BE49-F238E27FC236}">
+                  <a16:creationId xmlns:a16="http://schemas.microsoft.com/office/drawing/2014/main" id="{F4513E7B-331B-4D1F-890C-AB2FFEC4C178}"/>
+                </a:ext>
+              </a:extLst>
+            </p:cNvPr>
+            <p:cNvSpPr/>
+            <p:nvPr/>
+          </p:nvSpPr>
+          <p:spPr>
+            <a:xfrm>
+              <a:off x="5311588" y="654423"/>
+              <a:ext cx="1568824" cy="995083"/>
+            </a:xfrm>
+            <a:prstGeom prst="ellipse">
+              <a:avLst/>
+            </a:prstGeom>
+            <a:solidFill>
+              <a:schemeClr val="bg1"/>
+            </a:solidFill>
+          </p:spPr>
+          <p:style>
+            <a:lnRef idx="2">
+              <a:schemeClr val="accent1">
+                <a:shade val="50000"/>
+              </a:schemeClr>
+            </a:lnRef>
+            <a:fillRef idx="1">
+              <a:schemeClr val="accent1"/>
+            </a:fillRef>
+            <a:effectRef idx="0">
+              <a:schemeClr val="accent1"/>
+            </a:effectRef>
+            <a:fontRef idx="minor">
+              <a:schemeClr val="lt1"/>
+            </a:fontRef>
+          </p:style>
+          <p:txBody>
+            <a:bodyPr rtlCol="0" anchor="ctr"/>
+            <a:lstStyle/>
+            <a:p>
+              <a:pPr algn="ctr"/>
+              <a:r>
+                <a:rPr lang="en-US" altLang="ko-KR" sz="2200">
+                  <a:solidFill>
+                    <a:schemeClr val="tx1"/>
+                  </a:solidFill>
+                </a:rPr>
+                <a:t>Bill</a:t>
+              </a:r>
+              <a:endParaRPr lang="ko-KR" altLang="en-US" sz="2200">
+                <a:solidFill>
+                  <a:schemeClr val="tx1"/>
+                </a:solidFill>
+              </a:endParaRPr>
+            </a:p>
+          </p:txBody>
+        </p:sp>
+        <p:sp>
+          <p:nvSpPr>
+            <p:cNvPr id="5" name="타원 4">
+              <a:extLst>
+                <a:ext uri="{FF2B5EF4-FFF2-40B4-BE49-F238E27FC236}">
+                  <a16:creationId xmlns:a16="http://schemas.microsoft.com/office/drawing/2014/main" id="{3B561318-4D57-4EC8-B59A-A52B0493FDE2}"/>
+                </a:ext>
+              </a:extLst>
+            </p:cNvPr>
+            <p:cNvSpPr/>
+            <p:nvPr/>
+          </p:nvSpPr>
+          <p:spPr>
+            <a:xfrm>
+              <a:off x="5311588" y="5208494"/>
+              <a:ext cx="1568824" cy="995083"/>
+            </a:xfrm>
+            <a:prstGeom prst="ellipse">
+              <a:avLst/>
+            </a:prstGeom>
+            <a:solidFill>
+              <a:schemeClr val="bg1"/>
+            </a:solidFill>
+          </p:spPr>
+          <p:style>
+            <a:lnRef idx="2">
+              <a:schemeClr val="accent1">
+                <a:shade val="50000"/>
+              </a:schemeClr>
+            </a:lnRef>
+            <a:fillRef idx="1">
+              <a:schemeClr val="accent1"/>
+            </a:fillRef>
+            <a:effectRef idx="0">
+              <a:schemeClr val="accent1"/>
+            </a:effectRef>
+            <a:fontRef idx="minor">
+              <a:schemeClr val="lt1"/>
+            </a:fontRef>
+          </p:style>
+          <p:txBody>
+            <a:bodyPr rtlCol="0" anchor="ctr"/>
+            <a:lstStyle/>
+            <a:p>
+              <a:pPr algn="ctr"/>
+              <a:r>
+                <a:rPr lang="en-US" altLang="ko-KR" sz="2200">
+                  <a:solidFill>
+                    <a:schemeClr val="tx1"/>
+                  </a:solidFill>
+                </a:rPr>
+                <a:t>Jane</a:t>
+              </a:r>
+              <a:endParaRPr lang="ko-KR" altLang="en-US" sz="2200">
+                <a:solidFill>
+                  <a:schemeClr val="tx1"/>
+                </a:solidFill>
+              </a:endParaRPr>
+            </a:p>
+          </p:txBody>
+        </p:sp>
+        <p:sp>
+          <p:nvSpPr>
+            <p:cNvPr id="6" name="타원 5">
+              <a:extLst>
+                <a:ext uri="{FF2B5EF4-FFF2-40B4-BE49-F238E27FC236}">
+                  <a16:creationId xmlns:a16="http://schemas.microsoft.com/office/drawing/2014/main" id="{F92F6215-64CA-4410-9527-A34465C37875}"/>
+                </a:ext>
+              </a:extLst>
+            </p:cNvPr>
+            <p:cNvSpPr/>
+            <p:nvPr/>
+          </p:nvSpPr>
+          <p:spPr>
+            <a:xfrm>
+              <a:off x="7781365" y="2034986"/>
+              <a:ext cx="1568824" cy="995083"/>
+            </a:xfrm>
+            <a:prstGeom prst="ellipse">
+              <a:avLst/>
+            </a:prstGeom>
+            <a:solidFill>
+              <a:schemeClr val="bg1"/>
+            </a:solidFill>
+          </p:spPr>
+          <p:style>
+            <a:lnRef idx="2">
+              <a:schemeClr val="accent1">
+                <a:shade val="50000"/>
+              </a:schemeClr>
+            </a:lnRef>
+            <a:fillRef idx="1">
+              <a:schemeClr val="accent1"/>
+            </a:fillRef>
+            <a:effectRef idx="0">
+              <a:schemeClr val="accent1"/>
+            </a:effectRef>
+            <a:fontRef idx="minor">
+              <a:schemeClr val="lt1"/>
+            </a:fontRef>
+          </p:style>
+          <p:txBody>
+            <a:bodyPr rtlCol="0" anchor="ctr"/>
+            <a:lstStyle/>
+            <a:p>
+              <a:pPr algn="ctr"/>
+              <a:r>
+                <a:rPr lang="en-US" altLang="ko-KR" sz="2200">
+                  <a:solidFill>
+                    <a:schemeClr val="tx1"/>
+                  </a:solidFill>
+                </a:rPr>
+                <a:t>David</a:t>
+              </a:r>
+              <a:endParaRPr lang="ko-KR" altLang="en-US" sz="2200">
+                <a:solidFill>
+                  <a:schemeClr val="tx1"/>
+                </a:solidFill>
+              </a:endParaRPr>
+            </a:p>
+          </p:txBody>
+        </p:sp>
+        <p:sp>
+          <p:nvSpPr>
+            <p:cNvPr id="7" name="타원 6">
+              <a:extLst>
+                <a:ext uri="{FF2B5EF4-FFF2-40B4-BE49-F238E27FC236}">
+                  <a16:creationId xmlns:a16="http://schemas.microsoft.com/office/drawing/2014/main" id="{2241B7B5-6DC7-4453-997D-988DB6C9549C}"/>
+                </a:ext>
+              </a:extLst>
+            </p:cNvPr>
+            <p:cNvSpPr/>
+            <p:nvPr/>
+          </p:nvSpPr>
+          <p:spPr>
+            <a:xfrm>
+              <a:off x="7781365" y="3827930"/>
+              <a:ext cx="1568824" cy="995083"/>
+            </a:xfrm>
+            <a:prstGeom prst="ellipse">
+              <a:avLst/>
+            </a:prstGeom>
+            <a:solidFill>
+              <a:schemeClr val="bg1"/>
+            </a:solidFill>
+          </p:spPr>
+          <p:style>
+            <a:lnRef idx="2">
+              <a:schemeClr val="accent1">
+                <a:shade val="50000"/>
+              </a:schemeClr>
+            </a:lnRef>
+            <a:fillRef idx="1">
+              <a:schemeClr val="accent1"/>
+            </a:fillRef>
+            <a:effectRef idx="0">
+              <a:schemeClr val="accent1"/>
+            </a:effectRef>
+            <a:fontRef idx="minor">
+              <a:schemeClr val="lt1"/>
+            </a:fontRef>
+          </p:style>
+          <p:txBody>
+            <a:bodyPr rtlCol="0" anchor="ctr"/>
+            <a:lstStyle/>
+            <a:p>
+              <a:pPr algn="ctr"/>
+              <a:r>
+                <a:rPr lang="en-US" altLang="ko-KR" sz="2200">
+                  <a:solidFill>
+                    <a:schemeClr val="tx1"/>
+                  </a:solidFill>
+                </a:rPr>
+                <a:t>Susan</a:t>
+              </a:r>
+              <a:endParaRPr lang="ko-KR" altLang="en-US" sz="2200">
+                <a:solidFill>
+                  <a:schemeClr val="tx1"/>
+                </a:solidFill>
+              </a:endParaRPr>
+            </a:p>
+          </p:txBody>
+        </p:sp>
+        <p:sp>
+          <p:nvSpPr>
+            <p:cNvPr id="8" name="타원 7">
+              <a:extLst>
+                <a:ext uri="{FF2B5EF4-FFF2-40B4-BE49-F238E27FC236}">
+                  <a16:creationId xmlns:a16="http://schemas.microsoft.com/office/drawing/2014/main" id="{99FE27C8-09FC-42B6-925C-D9B5658B65BE}"/>
+                </a:ext>
+              </a:extLst>
+            </p:cNvPr>
+            <p:cNvSpPr/>
+            <p:nvPr/>
+          </p:nvSpPr>
+          <p:spPr>
+            <a:xfrm>
+              <a:off x="2841813" y="3827930"/>
+              <a:ext cx="1568824" cy="995083"/>
+            </a:xfrm>
+            <a:prstGeom prst="ellipse">
+              <a:avLst/>
+            </a:prstGeom>
+            <a:solidFill>
+              <a:schemeClr val="bg1"/>
+            </a:solidFill>
+          </p:spPr>
+          <p:style>
+            <a:lnRef idx="2">
+              <a:schemeClr val="accent1">
+                <a:shade val="50000"/>
+              </a:schemeClr>
+            </a:lnRef>
+            <a:fillRef idx="1">
+              <a:schemeClr val="accent1"/>
+            </a:fillRef>
+            <a:effectRef idx="0">
+              <a:schemeClr val="accent1"/>
+            </a:effectRef>
+            <a:fontRef idx="minor">
+              <a:schemeClr val="lt1"/>
+            </a:fontRef>
+          </p:style>
+          <p:txBody>
+            <a:bodyPr rtlCol="0" anchor="ctr"/>
+            <a:lstStyle/>
+            <a:p>
+              <a:pPr algn="ctr"/>
+              <a:r>
+                <a:rPr lang="en-US" altLang="ko-KR" sz="2200">
+                  <a:solidFill>
+                    <a:schemeClr val="tx1"/>
+                  </a:solidFill>
+                </a:rPr>
+                <a:t>Kent</a:t>
+              </a:r>
+              <a:endParaRPr lang="ko-KR" altLang="en-US" sz="2200">
+                <a:solidFill>
+                  <a:schemeClr val="tx1"/>
+                </a:solidFill>
+              </a:endParaRPr>
+            </a:p>
+          </p:txBody>
+        </p:sp>
+        <p:sp>
+          <p:nvSpPr>
+            <p:cNvPr id="9" name="타원 8">
+              <a:extLst>
+                <a:ext uri="{FF2B5EF4-FFF2-40B4-BE49-F238E27FC236}">
+                  <a16:creationId xmlns:a16="http://schemas.microsoft.com/office/drawing/2014/main" id="{93A5333D-F37E-4EB9-A1F9-6ACD25035DA5}"/>
+                </a:ext>
+              </a:extLst>
+            </p:cNvPr>
+            <p:cNvSpPr/>
+            <p:nvPr/>
+          </p:nvSpPr>
+          <p:spPr>
+            <a:xfrm>
+              <a:off x="2841813" y="2034986"/>
+              <a:ext cx="1568824" cy="995083"/>
+            </a:xfrm>
+            <a:prstGeom prst="ellipse">
+              <a:avLst/>
+            </a:prstGeom>
+            <a:solidFill>
+              <a:schemeClr val="bg1"/>
+            </a:solidFill>
+          </p:spPr>
+          <p:style>
+            <a:lnRef idx="2">
+              <a:schemeClr val="accent1">
+                <a:shade val="50000"/>
+              </a:schemeClr>
+            </a:lnRef>
+            <a:fillRef idx="1">
+              <a:schemeClr val="accent1"/>
+            </a:fillRef>
+            <a:effectRef idx="0">
+              <a:schemeClr val="accent1"/>
+            </a:effectRef>
+            <a:fontRef idx="minor">
+              <a:schemeClr val="lt1"/>
+            </a:fontRef>
+          </p:style>
+          <p:txBody>
+            <a:bodyPr rtlCol="0" anchor="ctr"/>
+            <a:lstStyle/>
+            <a:p>
+              <a:pPr algn="ctr"/>
+              <a:r>
+                <a:rPr lang="en-US" altLang="ko-KR" sz="2200">
+                  <a:solidFill>
+                    <a:schemeClr val="tx1"/>
+                  </a:solidFill>
+                </a:rPr>
+                <a:t>Brad</a:t>
+              </a:r>
+              <a:endParaRPr lang="ko-KR" altLang="en-US" sz="2200">
+                <a:solidFill>
+                  <a:schemeClr val="tx1"/>
+                </a:solidFill>
+              </a:endParaRPr>
+            </a:p>
+          </p:txBody>
+        </p:sp>
+        <p:cxnSp>
+          <p:nvCxnSpPr>
+            <p:cNvPr id="13" name="직선 화살표 연결선 12">
+              <a:extLst>
+                <a:ext uri="{FF2B5EF4-FFF2-40B4-BE49-F238E27FC236}">
+                  <a16:creationId xmlns:a16="http://schemas.microsoft.com/office/drawing/2014/main" id="{2102BF1D-875D-4C5D-95FD-F8687ED1A401}"/>
+                </a:ext>
+              </a:extLst>
+            </p:cNvPr>
+            <p:cNvCxnSpPr>
+              <a:cxnSpLocks/>
+              <a:endCxn id="4" idx="3"/>
+            </p:cNvCxnSpPr>
+            <p:nvPr/>
+          </p:nvCxnSpPr>
+          <p:spPr>
+            <a:xfrm flipV="1">
+              <a:off x="4180888" y="1503779"/>
+              <a:ext cx="1360449" cy="676934"/>
+            </a:xfrm>
+            <a:prstGeom prst="straightConnector1">
+              <a:avLst/>
+            </a:prstGeom>
+            <a:ln w="31750">
+              <a:solidFill>
+                <a:schemeClr val="tx1"/>
+              </a:solidFill>
+              <a:tailEnd type="triangle"/>
+            </a:ln>
+          </p:spPr>
+          <p:style>
+            <a:lnRef idx="1">
+              <a:schemeClr val="accent1"/>
+            </a:lnRef>
+            <a:fillRef idx="0">
+              <a:schemeClr val="accent1"/>
+            </a:fillRef>
+            <a:effectRef idx="0">
+              <a:schemeClr val="accent1"/>
+            </a:effectRef>
+            <a:fontRef idx="minor">
+              <a:schemeClr val="tx1"/>
+            </a:fontRef>
+          </p:style>
+        </p:cxnSp>
+        <p:cxnSp>
+          <p:nvCxnSpPr>
+            <p:cNvPr id="15" name="직선 화살표 연결선 14">
+              <a:extLst>
+                <a:ext uri="{FF2B5EF4-FFF2-40B4-BE49-F238E27FC236}">
+                  <a16:creationId xmlns:a16="http://schemas.microsoft.com/office/drawing/2014/main" id="{C0848A0B-6069-483C-B164-3D35A7A6A373}"/>
+                </a:ext>
+              </a:extLst>
+            </p:cNvPr>
+            <p:cNvCxnSpPr>
+              <a:cxnSpLocks/>
+              <a:endCxn id="6" idx="1"/>
+            </p:cNvCxnSpPr>
+            <p:nvPr/>
+          </p:nvCxnSpPr>
+          <p:spPr>
+            <a:xfrm>
+              <a:off x="6650663" y="1503779"/>
+              <a:ext cx="1360451" cy="676934"/>
+            </a:xfrm>
+            <a:prstGeom prst="straightConnector1">
+              <a:avLst/>
+            </a:prstGeom>
+            <a:ln w="31750">
+              <a:solidFill>
+                <a:schemeClr val="tx1"/>
+              </a:solidFill>
+              <a:tailEnd type="triangle"/>
+            </a:ln>
+          </p:spPr>
+          <p:style>
+            <a:lnRef idx="1">
+              <a:schemeClr val="accent1"/>
+            </a:lnRef>
+            <a:fillRef idx="0">
+              <a:schemeClr val="accent1"/>
+            </a:fillRef>
+            <a:effectRef idx="0">
+              <a:schemeClr val="accent1"/>
+            </a:effectRef>
+            <a:fontRef idx="minor">
+              <a:schemeClr val="tx1"/>
+            </a:fontRef>
+          </p:style>
+        </p:cxnSp>
+        <p:cxnSp>
+          <p:nvCxnSpPr>
+            <p:cNvPr id="17" name="직선 화살표 연결선 16">
+              <a:extLst>
+                <a:ext uri="{FF2B5EF4-FFF2-40B4-BE49-F238E27FC236}">
+                  <a16:creationId xmlns:a16="http://schemas.microsoft.com/office/drawing/2014/main" id="{2526E146-E92D-4402-A032-FA984C8F0684}"/>
+                </a:ext>
+              </a:extLst>
+            </p:cNvPr>
+            <p:cNvCxnSpPr>
+              <a:stCxn id="6" idx="4"/>
+              <a:endCxn id="7" idx="0"/>
+            </p:cNvCxnSpPr>
+            <p:nvPr/>
+          </p:nvCxnSpPr>
+          <p:spPr>
+            <a:xfrm>
+              <a:off x="8565777" y="3030069"/>
+              <a:ext cx="0" cy="797861"/>
+            </a:xfrm>
+            <a:prstGeom prst="straightConnector1">
+              <a:avLst/>
+            </a:prstGeom>
+            <a:ln w="31750">
+              <a:solidFill>
+                <a:schemeClr val="tx1"/>
+              </a:solidFill>
+              <a:tailEnd type="triangle"/>
+            </a:ln>
+          </p:spPr>
+          <p:style>
+            <a:lnRef idx="1">
+              <a:schemeClr val="accent1"/>
+            </a:lnRef>
+            <a:fillRef idx="0">
+              <a:schemeClr val="accent1"/>
+            </a:fillRef>
+            <a:effectRef idx="0">
+              <a:schemeClr val="accent1"/>
+            </a:effectRef>
+            <a:fontRef idx="minor">
+              <a:schemeClr val="tx1"/>
+            </a:fontRef>
+          </p:style>
+        </p:cxnSp>
+        <p:cxnSp>
+          <p:nvCxnSpPr>
+            <p:cNvPr id="19" name="직선 화살표 연결선 18">
+              <a:extLst>
+                <a:ext uri="{FF2B5EF4-FFF2-40B4-BE49-F238E27FC236}">
+                  <a16:creationId xmlns:a16="http://schemas.microsoft.com/office/drawing/2014/main" id="{6DB0D79B-791A-4340-BC4C-320EFFD48C7F}"/>
+                </a:ext>
+              </a:extLst>
+            </p:cNvPr>
+            <p:cNvCxnSpPr>
+              <a:cxnSpLocks/>
+              <a:stCxn id="7" idx="3"/>
+              <a:endCxn id="5" idx="7"/>
+            </p:cNvCxnSpPr>
+            <p:nvPr/>
+          </p:nvCxnSpPr>
+          <p:spPr>
+            <a:xfrm flipH="1">
+              <a:off x="6650663" y="4677286"/>
+              <a:ext cx="1360451" cy="676935"/>
+            </a:xfrm>
+            <a:prstGeom prst="straightConnector1">
+              <a:avLst/>
+            </a:prstGeom>
+            <a:ln w="31750">
+              <a:solidFill>
+                <a:schemeClr val="tx1"/>
+              </a:solidFill>
+              <a:tailEnd type="triangle"/>
+            </a:ln>
+          </p:spPr>
+          <p:style>
+            <a:lnRef idx="1">
+              <a:schemeClr val="accent1"/>
+            </a:lnRef>
+            <a:fillRef idx="0">
+              <a:schemeClr val="accent1"/>
+            </a:fillRef>
+            <a:effectRef idx="0">
+              <a:schemeClr val="accent1"/>
+            </a:effectRef>
+            <a:fontRef idx="minor">
+              <a:schemeClr val="tx1"/>
+            </a:fontRef>
+          </p:style>
+        </p:cxnSp>
+        <p:cxnSp>
+          <p:nvCxnSpPr>
+            <p:cNvPr id="22" name="직선 화살표 연결선 21">
+              <a:extLst>
+                <a:ext uri="{FF2B5EF4-FFF2-40B4-BE49-F238E27FC236}">
+                  <a16:creationId xmlns:a16="http://schemas.microsoft.com/office/drawing/2014/main" id="{BE2813D6-266F-4E6C-91A4-228115BB64C2}"/>
+                </a:ext>
+              </a:extLst>
+            </p:cNvPr>
+            <p:cNvCxnSpPr>
+              <a:stCxn id="5" idx="1"/>
+              <a:endCxn id="8" idx="5"/>
+            </p:cNvCxnSpPr>
+            <p:nvPr/>
+          </p:nvCxnSpPr>
+          <p:spPr>
+            <a:xfrm flipH="1" flipV="1">
+              <a:off x="4180888" y="4677286"/>
+              <a:ext cx="1360449" cy="676935"/>
+            </a:xfrm>
+            <a:prstGeom prst="straightConnector1">
+              <a:avLst/>
+            </a:prstGeom>
+            <a:ln w="31750">
+              <a:solidFill>
+                <a:schemeClr val="tx1"/>
+              </a:solidFill>
+              <a:tailEnd type="triangle"/>
+            </a:ln>
+          </p:spPr>
+          <p:style>
+            <a:lnRef idx="1">
+              <a:schemeClr val="accent1"/>
+            </a:lnRef>
+            <a:fillRef idx="0">
+              <a:schemeClr val="accent1"/>
+            </a:fillRef>
+            <a:effectRef idx="0">
+              <a:schemeClr val="accent1"/>
+            </a:effectRef>
+            <a:fontRef idx="minor">
+              <a:schemeClr val="tx1"/>
+            </a:fontRef>
+          </p:style>
+        </p:cxnSp>
+        <p:cxnSp>
+          <p:nvCxnSpPr>
+            <p:cNvPr id="24" name="직선 화살표 연결선 23">
+              <a:extLst>
+                <a:ext uri="{FF2B5EF4-FFF2-40B4-BE49-F238E27FC236}">
+                  <a16:creationId xmlns:a16="http://schemas.microsoft.com/office/drawing/2014/main" id="{9D4D800D-4A3B-4755-B723-071ED63901D9}"/>
+                </a:ext>
+              </a:extLst>
+            </p:cNvPr>
+            <p:cNvCxnSpPr>
+              <a:stCxn id="8" idx="0"/>
+              <a:endCxn id="9" idx="4"/>
+            </p:cNvCxnSpPr>
+            <p:nvPr/>
+          </p:nvCxnSpPr>
+          <p:spPr>
+            <a:xfrm flipV="1">
+              <a:off x="3626225" y="3030069"/>
+              <a:ext cx="0" cy="797861"/>
+            </a:xfrm>
+            <a:prstGeom prst="straightConnector1">
+              <a:avLst/>
+            </a:prstGeom>
+            <a:ln w="31750">
+              <a:solidFill>
+                <a:schemeClr val="tx1"/>
+              </a:solidFill>
+              <a:tailEnd type="triangle"/>
+            </a:ln>
+          </p:spPr>
+          <p:style>
+            <a:lnRef idx="1">
+              <a:schemeClr val="accent1"/>
+            </a:lnRef>
+            <a:fillRef idx="0">
+              <a:schemeClr val="accent1"/>
+            </a:fillRef>
+            <a:effectRef idx="0">
+              <a:schemeClr val="accent1"/>
+            </a:effectRef>
+            <a:fontRef idx="minor">
+              <a:schemeClr val="tx1"/>
+            </a:fontRef>
+          </p:style>
+        </p:cxnSp>
+        <p:sp>
+          <p:nvSpPr>
+            <p:cNvPr id="28" name="TextBox 27">
+              <a:extLst>
+                <a:ext uri="{FF2B5EF4-FFF2-40B4-BE49-F238E27FC236}">
+                  <a16:creationId xmlns:a16="http://schemas.microsoft.com/office/drawing/2014/main" id="{22D22AE4-8FAC-4917-A7E4-503A7708BAA2}"/>
+                </a:ext>
+              </a:extLst>
+            </p:cNvPr>
+            <p:cNvSpPr txBox="1"/>
+            <p:nvPr/>
+          </p:nvSpPr>
+          <p:spPr>
+            <a:xfrm>
+              <a:off x="1118292" y="1264785"/>
+              <a:ext cx="2507933" cy="769441"/>
+            </a:xfrm>
+            <a:prstGeom prst="rect">
+              <a:avLst/>
+            </a:prstGeom>
+            <a:noFill/>
+          </p:spPr>
+          <p:txBody>
+            <a:bodyPr wrap="square" rtlCol="0">
+              <a:spAutoFit/>
+            </a:bodyPr>
+            <a:lstStyle/>
+            <a:p>
+              <a:r>
+                <a:rPr lang="en-US" altLang="ko-KR" sz="2200"/>
+                <a:t>After 5 passes,</a:t>
+              </a:r>
+            </a:p>
+            <a:p>
+              <a:r>
+                <a:rPr lang="en-US" altLang="ko-KR" sz="2200"/>
+                <a:t>Brad is eliminated</a:t>
+              </a:r>
+              <a:endParaRPr lang="ko-KR" altLang="en-US" sz="2200"/>
+            </a:p>
+          </p:txBody>
+        </p:sp>
+        <p:sp>
+          <p:nvSpPr>
+            <p:cNvPr id="29" name="TextBox 28">
+              <a:extLst>
+                <a:ext uri="{FF2B5EF4-FFF2-40B4-BE49-F238E27FC236}">
+                  <a16:creationId xmlns:a16="http://schemas.microsoft.com/office/drawing/2014/main" id="{DB0D5842-3114-42F0-B440-96F3855E4EF3}"/>
+                </a:ext>
+              </a:extLst>
+            </p:cNvPr>
+            <p:cNvSpPr txBox="1"/>
+            <p:nvPr/>
+          </p:nvSpPr>
+          <p:spPr>
+            <a:xfrm>
+              <a:off x="1195641" y="3044278"/>
+              <a:ext cx="2507933" cy="769441"/>
+            </a:xfrm>
+            <a:prstGeom prst="rect">
+              <a:avLst/>
+            </a:prstGeom>
+            <a:noFill/>
+          </p:spPr>
+          <p:txBody>
+            <a:bodyPr wrap="square" rtlCol="0">
+              <a:spAutoFit/>
+            </a:bodyPr>
+            <a:lstStyle/>
+            <a:p>
+              <a:r>
+                <a:rPr lang="en-US" altLang="ko-KR" sz="2200"/>
+                <a:t>Until predefined counting constant</a:t>
+              </a:r>
+              <a:endParaRPr lang="ko-KR" altLang="en-US" sz="2200"/>
+            </a:p>
+          </p:txBody>
+        </p:sp>
+        <p:sp>
+          <p:nvSpPr>
+            <p:cNvPr id="30" name="TextBox 29">
+              <a:extLst>
+                <a:ext uri="{FF2B5EF4-FFF2-40B4-BE49-F238E27FC236}">
+                  <a16:creationId xmlns:a16="http://schemas.microsoft.com/office/drawing/2014/main" id="{EBF34043-7784-493E-94C8-1AD9D8639AF1}"/>
+                </a:ext>
+              </a:extLst>
+            </p:cNvPr>
+            <p:cNvSpPr txBox="1"/>
+            <p:nvPr/>
+          </p:nvSpPr>
+          <p:spPr>
+            <a:xfrm>
+              <a:off x="8565777" y="3227765"/>
+              <a:ext cx="1568824" cy="430887"/>
+            </a:xfrm>
+            <a:prstGeom prst="rect">
+              <a:avLst/>
+            </a:prstGeom>
+            <a:noFill/>
+          </p:spPr>
+          <p:txBody>
+            <a:bodyPr wrap="square" rtlCol="0">
+              <a:spAutoFit/>
+            </a:bodyPr>
+            <a:lstStyle/>
+            <a:p>
+              <a:pPr algn="ctr"/>
+              <a:r>
+                <a:rPr lang="en-US" altLang="ko-KR" sz="2200"/>
+                <a:t>And so on</a:t>
+              </a:r>
+              <a:endParaRPr lang="ko-KR" altLang="en-US" sz="2200"/>
+            </a:p>
+          </p:txBody>
+        </p:sp>
+        <p:sp>
+          <p:nvSpPr>
+            <p:cNvPr id="31" name="TextBox 30">
+              <a:extLst>
+                <a:ext uri="{FF2B5EF4-FFF2-40B4-BE49-F238E27FC236}">
+                  <a16:creationId xmlns:a16="http://schemas.microsoft.com/office/drawing/2014/main" id="{A516A5E8-F51A-42B4-9FC5-3BACB144989A}"/>
+                </a:ext>
+              </a:extLst>
+            </p:cNvPr>
+            <p:cNvSpPr txBox="1"/>
+            <p:nvPr/>
+          </p:nvSpPr>
+          <p:spPr>
+            <a:xfrm>
+              <a:off x="7226701" y="1119057"/>
+              <a:ext cx="1893740" cy="769441"/>
+            </a:xfrm>
+            <a:prstGeom prst="rect">
+              <a:avLst/>
+            </a:prstGeom>
+            <a:noFill/>
+          </p:spPr>
+          <p:txBody>
+            <a:bodyPr wrap="square" rtlCol="0">
+              <a:spAutoFit/>
+            </a:bodyPr>
+            <a:lstStyle/>
+            <a:p>
+              <a:r>
+                <a:rPr lang="en-US" altLang="ko-KR" sz="2200"/>
+                <a:t>Pass to next person</a:t>
+              </a:r>
+              <a:endParaRPr lang="ko-KR" altLang="en-US" sz="2200"/>
+            </a:p>
+          </p:txBody>
+        </p:sp>
+      </p:grpSp>
+    </p:spTree>
+    <p:extLst>
+      <p:ext uri="{BB962C8B-B14F-4D97-AF65-F5344CB8AC3E}">
+        <p14:creationId xmlns:p14="http://schemas.microsoft.com/office/powerpoint/2010/main" val="3716217679"/>
+      </p:ext>
+    </p:extLst>
+  </p:cSld>
+  <p:clrMapOvr>
+    <a:masterClrMapping/>
+  </p:clrMapOvr>
+</p:sld>
+</file>
+
+<file path=ppt/slides/slide15.xml><?xml version="1.0" encoding="utf-8"?>
+<p:sld xmlns:a="http://schemas.openxmlformats.org/drawingml/2006/main" xmlns:r="http://schemas.openxmlformats.org/officeDocument/2006/relationships" xmlns:p="http://schemas.openxmlformats.org/presentationml/2006/main">
+  <p:cSld>
+    <p:spTree>
+      <p:nvGrpSpPr>
+        <p:cNvPr id="1" name=""/>
+        <p:cNvGrpSpPr/>
+        <p:nvPr/>
+      </p:nvGrpSpPr>
+      <p:grpSpPr>
+        <a:xfrm>
+          <a:off x="0" y="0"/>
+          <a:ext cx="0" cy="0"/>
+          <a:chOff x="0" y="0"/>
+          <a:chExt cx="0" cy="0"/>
+        </a:xfrm>
+      </p:grpSpPr>
+      <p:grpSp>
+        <p:nvGrpSpPr>
+          <p:cNvPr id="47" name="그룹 46">
+            <a:extLst>
+              <a:ext uri="{FF2B5EF4-FFF2-40B4-BE49-F238E27FC236}">
+                <a16:creationId xmlns:a16="http://schemas.microsoft.com/office/drawing/2014/main" id="{58FA07CA-BB86-4A49-9FED-7EA8DA23C3D3}"/>
+              </a:ext>
+            </a:extLst>
+          </p:cNvPr>
+          <p:cNvGrpSpPr/>
+          <p:nvPr/>
+        </p:nvGrpSpPr>
+        <p:grpSpPr>
+          <a:xfrm>
+            <a:off x="314028" y="825839"/>
+            <a:ext cx="11563943" cy="5206321"/>
+            <a:chOff x="271875" y="649777"/>
+            <a:chExt cx="11563943" cy="5206321"/>
+          </a:xfrm>
+        </p:grpSpPr>
+        <p:grpSp>
+          <p:nvGrpSpPr>
+            <p:cNvPr id="26" name="그룹 25">
+              <a:extLst>
+                <a:ext uri="{FF2B5EF4-FFF2-40B4-BE49-F238E27FC236}">
+                  <a16:creationId xmlns:a16="http://schemas.microsoft.com/office/drawing/2014/main" id="{AFBD0BFE-9320-41F4-A304-E192C6C41E3D}"/>
+                </a:ext>
+              </a:extLst>
+            </p:cNvPr>
+            <p:cNvGrpSpPr/>
+            <p:nvPr/>
+          </p:nvGrpSpPr>
+          <p:grpSpPr>
+            <a:xfrm>
+              <a:off x="271875" y="649777"/>
+              <a:ext cx="11563943" cy="2704964"/>
+              <a:chOff x="350004" y="2376400"/>
+              <a:chExt cx="11563943" cy="2704964"/>
+            </a:xfrm>
+          </p:grpSpPr>
+          <p:grpSp>
+            <p:nvGrpSpPr>
+              <p:cNvPr id="4" name="그룹 3">
+                <a:extLst>
+                  <a:ext uri="{FF2B5EF4-FFF2-40B4-BE49-F238E27FC236}">
+                    <a16:creationId xmlns:a16="http://schemas.microsoft.com/office/drawing/2014/main" id="{94742468-C5A2-4DEF-AED7-EC9AEB283D8C}"/>
+                  </a:ext>
+                </a:extLst>
+              </p:cNvPr>
+              <p:cNvGrpSpPr/>
+              <p:nvPr/>
+            </p:nvGrpSpPr>
+            <p:grpSpPr>
+              <a:xfrm>
+                <a:off x="395337" y="2376400"/>
+                <a:ext cx="11401325" cy="2704964"/>
+                <a:chOff x="395337" y="2740332"/>
+                <a:chExt cx="11401325" cy="2704964"/>
+              </a:xfrm>
+            </p:grpSpPr>
+            <p:grpSp>
+              <p:nvGrpSpPr>
+                <p:cNvPr id="5" name="그룹 4">
+                  <a:extLst>
+                    <a:ext uri="{FF2B5EF4-FFF2-40B4-BE49-F238E27FC236}">
+                      <a16:creationId xmlns:a16="http://schemas.microsoft.com/office/drawing/2014/main" id="{5EE1BC4F-E400-46C5-A224-1A8AAE10A671}"/>
+                    </a:ext>
+                  </a:extLst>
+                </p:cNvPr>
+                <p:cNvGrpSpPr/>
+                <p:nvPr/>
+              </p:nvGrpSpPr>
+              <p:grpSpPr>
+                <a:xfrm>
+                  <a:off x="395337" y="2740332"/>
+                  <a:ext cx="11401325" cy="1324393"/>
+                  <a:chOff x="683041" y="2623102"/>
+                  <a:chExt cx="11401325" cy="1324393"/>
+                </a:xfrm>
+              </p:grpSpPr>
+              <p:sp>
+                <p:nvSpPr>
+                  <p:cNvPr id="7" name="직사각형 6">
+                    <a:extLst>
+                      <a:ext uri="{FF2B5EF4-FFF2-40B4-BE49-F238E27FC236}">
+                        <a16:creationId xmlns:a16="http://schemas.microsoft.com/office/drawing/2014/main" id="{66D99AE0-5A41-47D2-A401-96448C08778A}"/>
+                      </a:ext>
+                    </a:extLst>
+                  </p:cNvPr>
+                  <p:cNvSpPr/>
+                  <p:nvPr/>
+                </p:nvSpPr>
+                <p:spPr>
+                  <a:xfrm>
+                    <a:off x="1436077" y="2623102"/>
+                    <a:ext cx="9319846" cy="175846"/>
+                  </a:xfrm>
+                  <a:prstGeom prst="rect">
+                    <a:avLst/>
+                  </a:prstGeom>
+                  <a:solidFill>
+                    <a:schemeClr val="bg1"/>
+                  </a:solidFill>
+                  <a:effectLst>
+                    <a:outerShdw blurRad="50800" dist="50800" dir="5400000" algn="ctr" rotWithShape="0">
+                      <a:schemeClr val="tx1">
+                        <a:lumMod val="50000"/>
+                        <a:lumOff val="50000"/>
+                      </a:schemeClr>
+                    </a:outerShdw>
+                  </a:effectLst>
+                </p:spPr>
+                <p:style>
+                  <a:lnRef idx="2">
+                    <a:schemeClr val="accent1">
+                      <a:shade val="50000"/>
+                    </a:schemeClr>
+                  </a:lnRef>
+                  <a:fillRef idx="1">
+                    <a:schemeClr val="accent1"/>
+                  </a:fillRef>
+                  <a:effectRef idx="0">
+                    <a:schemeClr val="accent1"/>
+                  </a:effectRef>
+                  <a:fontRef idx="minor">
+                    <a:schemeClr val="lt1"/>
+                  </a:fontRef>
+                </p:style>
+                <p:txBody>
+                  <a:bodyPr rtlCol="0" anchor="ctr"/>
+                  <a:lstStyle/>
+                  <a:p>
+                    <a:pPr algn="ctr"/>
+                    <a:endParaRPr lang="ko-KR" altLang="en-US"/>
+                  </a:p>
+                </p:txBody>
+              </p:sp>
+              <p:sp>
+                <p:nvSpPr>
+                  <p:cNvPr id="8" name="직사각형 7">
+                    <a:extLst>
+                      <a:ext uri="{FF2B5EF4-FFF2-40B4-BE49-F238E27FC236}">
+                        <a16:creationId xmlns:a16="http://schemas.microsoft.com/office/drawing/2014/main" id="{C03C7048-53C7-40D1-99A7-0C1C2DE89FF4}"/>
+                      </a:ext>
+                    </a:extLst>
+                  </p:cNvPr>
+                  <p:cNvSpPr/>
+                  <p:nvPr/>
+                </p:nvSpPr>
+                <p:spPr>
+                  <a:xfrm>
+                    <a:off x="1436077" y="3771649"/>
+                    <a:ext cx="9319846" cy="175846"/>
+                  </a:xfrm>
+                  <a:prstGeom prst="rect">
+                    <a:avLst/>
+                  </a:prstGeom>
+                  <a:solidFill>
+                    <a:schemeClr val="bg1"/>
+                  </a:solidFill>
+                  <a:effectLst>
+                    <a:outerShdw blurRad="50800" dist="50800" dir="5400000" algn="ctr" rotWithShape="0">
+                      <a:schemeClr val="tx1">
+                        <a:lumMod val="50000"/>
+                        <a:lumOff val="50000"/>
+                      </a:schemeClr>
+                    </a:outerShdw>
+                  </a:effectLst>
+                </p:spPr>
+                <p:style>
+                  <a:lnRef idx="2">
+                    <a:schemeClr val="accent1">
+                      <a:shade val="50000"/>
+                    </a:schemeClr>
+                  </a:lnRef>
+                  <a:fillRef idx="1">
+                    <a:schemeClr val="accent1"/>
+                  </a:fillRef>
+                  <a:effectRef idx="0">
+                    <a:schemeClr val="accent1"/>
+                  </a:effectRef>
+                  <a:fontRef idx="minor">
+                    <a:schemeClr val="lt1"/>
+                  </a:fontRef>
+                </p:style>
+                <p:txBody>
+                  <a:bodyPr rtlCol="0" anchor="ctr"/>
+                  <a:lstStyle/>
+                  <a:p>
+                    <a:pPr algn="ctr"/>
+                    <a:endParaRPr lang="ko-KR" altLang="en-US"/>
+                  </a:p>
+                </p:txBody>
+              </p:sp>
+              <p:sp>
+                <p:nvSpPr>
+                  <p:cNvPr id="9" name="TextBox 8">
+                    <a:extLst>
+                      <a:ext uri="{FF2B5EF4-FFF2-40B4-BE49-F238E27FC236}">
+                        <a16:creationId xmlns:a16="http://schemas.microsoft.com/office/drawing/2014/main" id="{FD1DBA2C-3E93-4715-8C0F-DD6B13D84802}"/>
+                      </a:ext>
+                    </a:extLst>
+                  </p:cNvPr>
+                  <p:cNvSpPr txBox="1"/>
+                  <p:nvPr/>
+                </p:nvSpPr>
+                <p:spPr>
+                  <a:xfrm>
+                    <a:off x="683041" y="3096326"/>
+                    <a:ext cx="753036" cy="430887"/>
+                  </a:xfrm>
+                  <a:prstGeom prst="rect">
+                    <a:avLst/>
+                  </a:prstGeom>
+                  <a:noFill/>
+                </p:spPr>
+                <p:txBody>
+                  <a:bodyPr wrap="square" rtlCol="0">
+                    <a:spAutoFit/>
+                  </a:bodyPr>
+                  <a:lstStyle/>
+                  <a:p>
+                    <a:pPr algn="ctr"/>
+                    <a:r>
+                      <a:rPr lang="en-US" altLang="ko-KR" sz="2200"/>
+                      <a:t>rear</a:t>
+                    </a:r>
+                    <a:endParaRPr lang="ko-KR" altLang="en-US" sz="2200"/>
+                  </a:p>
+                </p:txBody>
+              </p:sp>
+              <p:cxnSp>
+                <p:nvCxnSpPr>
+                  <p:cNvPr id="10" name="직선 화살표 연결선 9">
+                    <a:extLst>
+                      <a:ext uri="{FF2B5EF4-FFF2-40B4-BE49-F238E27FC236}">
+                        <a16:creationId xmlns:a16="http://schemas.microsoft.com/office/drawing/2014/main" id="{D6EE2F9A-F2D8-4CC8-A367-3C7316FCFE36}"/>
+                      </a:ext>
+                    </a:extLst>
+                  </p:cNvPr>
+                  <p:cNvCxnSpPr>
+                    <a:cxnSpLocks/>
+                  </p:cNvCxnSpPr>
+                  <p:nvPr/>
+                </p:nvCxnSpPr>
+                <p:spPr>
+                  <a:xfrm>
+                    <a:off x="1436077" y="3311769"/>
+                    <a:ext cx="1294718" cy="0"/>
+                  </a:xfrm>
+                  <a:prstGeom prst="straightConnector1">
+                    <a:avLst/>
+                  </a:prstGeom>
+                  <a:ln w="31750">
+                    <a:solidFill>
+                      <a:schemeClr val="tx1"/>
+                    </a:solidFill>
+                    <a:tailEnd type="triangle"/>
+                  </a:ln>
+                </p:spPr>
+                <p:style>
+                  <a:lnRef idx="1">
+                    <a:schemeClr val="accent1"/>
+                  </a:lnRef>
+                  <a:fillRef idx="0">
+                    <a:schemeClr val="accent1"/>
+                  </a:fillRef>
+                  <a:effectRef idx="0">
+                    <a:schemeClr val="accent1"/>
+                  </a:effectRef>
+                  <a:fontRef idx="minor">
+                    <a:schemeClr val="tx1"/>
+                  </a:fontRef>
+                </p:style>
+              </p:cxnSp>
+              <p:sp>
+                <p:nvSpPr>
+                  <p:cNvPr id="11" name="TextBox 10">
+                    <a:extLst>
+                      <a:ext uri="{FF2B5EF4-FFF2-40B4-BE49-F238E27FC236}">
+                        <a16:creationId xmlns:a16="http://schemas.microsoft.com/office/drawing/2014/main" id="{84B35A16-35C5-4EEC-BA52-33ED3D81C9D3}"/>
+                      </a:ext>
+                    </a:extLst>
+                  </p:cNvPr>
+                  <p:cNvSpPr txBox="1"/>
+                  <p:nvPr/>
+                </p:nvSpPr>
+                <p:spPr>
+                  <a:xfrm>
+                    <a:off x="2892841" y="3096325"/>
+                    <a:ext cx="940116" cy="430887"/>
+                  </a:xfrm>
+                  <a:prstGeom prst="rect">
+                    <a:avLst/>
+                  </a:prstGeom>
+                  <a:noFill/>
+                </p:spPr>
+                <p:txBody>
+                  <a:bodyPr wrap="square" rtlCol="0">
+                    <a:spAutoFit/>
+                  </a:bodyPr>
+                  <a:lstStyle/>
+                  <a:p>
+                    <a:pPr algn="ctr"/>
+                    <a:r>
+                      <a:rPr lang="en-US" altLang="ko-KR" sz="2200"/>
+                      <a:t>Brad</a:t>
+                    </a:r>
+                    <a:endParaRPr lang="ko-KR" altLang="en-US" sz="2200"/>
+                  </a:p>
+                </p:txBody>
+              </p:sp>
+              <p:sp>
+                <p:nvSpPr>
+                  <p:cNvPr id="12" name="TextBox 11">
+                    <a:extLst>
+                      <a:ext uri="{FF2B5EF4-FFF2-40B4-BE49-F238E27FC236}">
+                        <a16:creationId xmlns:a16="http://schemas.microsoft.com/office/drawing/2014/main" id="{21A883E2-47A2-429F-8B4C-726588D802F6}"/>
+                      </a:ext>
+                    </a:extLst>
+                  </p:cNvPr>
+                  <p:cNvSpPr txBox="1"/>
+                  <p:nvPr/>
+                </p:nvSpPr>
+                <p:spPr>
+                  <a:xfrm>
+                    <a:off x="3871007" y="3096321"/>
+                    <a:ext cx="753036" cy="430887"/>
+                  </a:xfrm>
+                  <a:prstGeom prst="rect">
+                    <a:avLst/>
+                  </a:prstGeom>
+                  <a:noFill/>
+                </p:spPr>
+                <p:txBody>
+                  <a:bodyPr wrap="square" rtlCol="0">
+                    <a:spAutoFit/>
+                  </a:bodyPr>
+                  <a:lstStyle/>
+                  <a:p>
+                    <a:pPr algn="ctr"/>
+                    <a:r>
+                      <a:rPr lang="en-US" altLang="ko-KR" sz="2200"/>
+                      <a:t>Kent</a:t>
+                    </a:r>
+                    <a:endParaRPr lang="ko-KR" altLang="en-US" sz="2200"/>
+                  </a:p>
+                </p:txBody>
+              </p:sp>
+              <p:sp>
+                <p:nvSpPr>
+                  <p:cNvPr id="13" name="TextBox 12">
+                    <a:extLst>
+                      <a:ext uri="{FF2B5EF4-FFF2-40B4-BE49-F238E27FC236}">
+                        <a16:creationId xmlns:a16="http://schemas.microsoft.com/office/drawing/2014/main" id="{0D147FE6-976B-4D2A-A23D-0C2A8088EE98}"/>
+                      </a:ext>
+                    </a:extLst>
+                  </p:cNvPr>
+                  <p:cNvSpPr txBox="1"/>
+                  <p:nvPr/>
+                </p:nvSpPr>
+                <p:spPr>
+                  <a:xfrm>
+                    <a:off x="5852877" y="3095745"/>
+                    <a:ext cx="958635" cy="430887"/>
+                  </a:xfrm>
+                  <a:prstGeom prst="rect">
+                    <a:avLst/>
+                  </a:prstGeom>
+                  <a:noFill/>
+                </p:spPr>
+                <p:txBody>
+                  <a:bodyPr wrap="square" rtlCol="0">
+                    <a:spAutoFit/>
+                  </a:bodyPr>
+                  <a:lstStyle/>
+                  <a:p>
+                    <a:pPr algn="ctr"/>
+                    <a:r>
+                      <a:rPr lang="en-US" altLang="ko-KR" sz="2200"/>
+                      <a:t>Susan</a:t>
+                    </a:r>
+                    <a:endParaRPr lang="ko-KR" altLang="en-US" sz="2200"/>
+                  </a:p>
+                </p:txBody>
+              </p:sp>
+              <p:sp>
+                <p:nvSpPr>
+                  <p:cNvPr id="14" name="TextBox 13">
+                    <a:extLst>
+                      <a:ext uri="{FF2B5EF4-FFF2-40B4-BE49-F238E27FC236}">
+                        <a16:creationId xmlns:a16="http://schemas.microsoft.com/office/drawing/2014/main" id="{B0A11F9D-FC89-4261-A9AB-4F21C7E0F6F0}"/>
+                      </a:ext>
+                    </a:extLst>
+                  </p:cNvPr>
+                  <p:cNvSpPr txBox="1"/>
+                  <p:nvPr/>
+                </p:nvSpPr>
+                <p:spPr>
+                  <a:xfrm>
+                    <a:off x="7172432" y="3095745"/>
+                    <a:ext cx="958635" cy="430887"/>
+                  </a:xfrm>
+                  <a:prstGeom prst="rect">
+                    <a:avLst/>
+                  </a:prstGeom>
+                  <a:noFill/>
+                </p:spPr>
+                <p:txBody>
+                  <a:bodyPr wrap="square" rtlCol="0">
+                    <a:spAutoFit/>
+                  </a:bodyPr>
+                  <a:lstStyle/>
+                  <a:p>
+                    <a:pPr algn="ctr"/>
+                    <a:r>
+                      <a:rPr lang="en-US" altLang="ko-KR" sz="2200"/>
+                      <a:t>David</a:t>
+                    </a:r>
+                    <a:endParaRPr lang="ko-KR" altLang="en-US" sz="2200"/>
+                  </a:p>
+                </p:txBody>
+              </p:sp>
+              <p:cxnSp>
+                <p:nvCxnSpPr>
+                  <p:cNvPr id="15" name="직선 화살표 연결선 14">
+                    <a:extLst>
+                      <a:ext uri="{FF2B5EF4-FFF2-40B4-BE49-F238E27FC236}">
+                        <a16:creationId xmlns:a16="http://schemas.microsoft.com/office/drawing/2014/main" id="{75880A2A-4255-4725-8EA7-B1EEBD092519}"/>
+                      </a:ext>
+                    </a:extLst>
+                  </p:cNvPr>
+                  <p:cNvCxnSpPr>
+                    <a:cxnSpLocks/>
+                  </p:cNvCxnSpPr>
+                  <p:nvPr/>
+                </p:nvCxnSpPr>
+                <p:spPr>
+                  <a:xfrm>
+                    <a:off x="9458598" y="3311766"/>
+                    <a:ext cx="1685652" cy="0"/>
+                  </a:xfrm>
+                  <a:prstGeom prst="straightConnector1">
+                    <a:avLst/>
+                  </a:prstGeom>
+                  <a:ln w="31750">
+                    <a:solidFill>
+                      <a:schemeClr val="tx1"/>
+                    </a:solidFill>
+                    <a:tailEnd type="triangle"/>
+                  </a:ln>
+                </p:spPr>
+                <p:style>
+                  <a:lnRef idx="1">
+                    <a:schemeClr val="accent1"/>
+                  </a:lnRef>
+                  <a:fillRef idx="0">
+                    <a:schemeClr val="accent1"/>
+                  </a:fillRef>
+                  <a:effectRef idx="0">
+                    <a:schemeClr val="accent1"/>
+                  </a:effectRef>
+                  <a:fontRef idx="minor">
+                    <a:schemeClr val="tx1"/>
+                  </a:fontRef>
+                </p:style>
+              </p:cxnSp>
+              <p:sp>
+                <p:nvSpPr>
+                  <p:cNvPr id="16" name="TextBox 15">
+                    <a:extLst>
+                      <a:ext uri="{FF2B5EF4-FFF2-40B4-BE49-F238E27FC236}">
+                        <a16:creationId xmlns:a16="http://schemas.microsoft.com/office/drawing/2014/main" id="{E3E06033-03B1-4469-86EC-C697C26502B5}"/>
+                      </a:ext>
+                    </a:extLst>
+                  </p:cNvPr>
+                  <p:cNvSpPr txBox="1"/>
+                  <p:nvPr/>
+                </p:nvSpPr>
+                <p:spPr>
+                  <a:xfrm>
+                    <a:off x="11144250" y="3096322"/>
+                    <a:ext cx="940116" cy="430887"/>
+                  </a:xfrm>
+                  <a:prstGeom prst="rect">
+                    <a:avLst/>
+                  </a:prstGeom>
+                  <a:noFill/>
+                </p:spPr>
+                <p:txBody>
+                  <a:bodyPr wrap="square" rtlCol="0">
+                    <a:spAutoFit/>
+                  </a:bodyPr>
+                  <a:lstStyle/>
+                  <a:p>
+                    <a:pPr algn="ctr"/>
+                    <a:r>
+                      <a:rPr lang="en-US" altLang="ko-KR" sz="2200"/>
+                      <a:t>front</a:t>
+                    </a:r>
+                    <a:endParaRPr lang="ko-KR" altLang="en-US" sz="2200"/>
+                  </a:p>
+                </p:txBody>
+              </p:sp>
+            </p:grpSp>
+            <p:sp>
+              <p:nvSpPr>
+                <p:cNvPr id="6" name="TextBox 5">
+                  <a:extLst>
+                    <a:ext uri="{FF2B5EF4-FFF2-40B4-BE49-F238E27FC236}">
+                      <a16:creationId xmlns:a16="http://schemas.microsoft.com/office/drawing/2014/main" id="{AA926C0F-8298-4BB5-B9FA-F85B153EAFED}"/>
+                    </a:ext>
+                  </a:extLst>
+                </p:cNvPr>
+                <p:cNvSpPr txBox="1"/>
+                <p:nvPr/>
+              </p:nvSpPr>
+              <p:spPr>
+                <a:xfrm>
+                  <a:off x="5318015" y="4675855"/>
+                  <a:ext cx="2411585" cy="769441"/>
+                </a:xfrm>
+                <a:prstGeom prst="rect">
+                  <a:avLst/>
+                </a:prstGeom>
+                <a:noFill/>
+              </p:spPr>
+              <p:txBody>
+                <a:bodyPr wrap="square" rtlCol="0">
+                  <a:spAutoFit/>
+                </a:bodyPr>
+                <a:lstStyle/>
+                <a:p>
+                  <a:pPr algn="ctr"/>
+                  <a:r>
+                    <a:rPr lang="en-US" altLang="ko-KR" sz="2200"/>
+                    <a:t>Go to the rear</a:t>
+                  </a:r>
+                </a:p>
+                <a:p>
+                  <a:pPr algn="ctr"/>
+                  <a:r>
+                    <a:rPr lang="en-US" altLang="ko-KR" sz="2200"/>
+                    <a:t>(Pass the potato)</a:t>
+                  </a:r>
+                  <a:endParaRPr lang="ko-KR" altLang="en-US" sz="2200"/>
+                </a:p>
+              </p:txBody>
+            </p:sp>
+          </p:grpSp>
+          <p:sp>
+            <p:nvSpPr>
+              <p:cNvPr id="17" name="TextBox 16">
+                <a:extLst>
+                  <a:ext uri="{FF2B5EF4-FFF2-40B4-BE49-F238E27FC236}">
+                    <a16:creationId xmlns:a16="http://schemas.microsoft.com/office/drawing/2014/main" id="{2D5C5455-A3BA-4475-B9EE-B3461D7E6C47}"/>
+                  </a:ext>
+                </a:extLst>
+              </p:cNvPr>
+              <p:cNvSpPr txBox="1"/>
+              <p:nvPr/>
+            </p:nvSpPr>
+            <p:spPr>
+              <a:xfrm>
+                <a:off x="4570715" y="2849619"/>
+                <a:ext cx="753036" cy="430887"/>
+              </a:xfrm>
+              <a:prstGeom prst="rect">
+                <a:avLst/>
+              </a:prstGeom>
+              <a:noFill/>
+            </p:spPr>
+            <p:txBody>
+              <a:bodyPr wrap="square" rtlCol="0">
+                <a:spAutoFit/>
+              </a:bodyPr>
+              <a:lstStyle/>
+              <a:p>
+                <a:pPr algn="ctr"/>
+                <a:r>
+                  <a:rPr lang="en-US" altLang="ko-KR" sz="2200"/>
+                  <a:t>Jane</a:t>
+                </a:r>
+                <a:endParaRPr lang="ko-KR" altLang="en-US" sz="2200"/>
+              </a:p>
+            </p:txBody>
+          </p:sp>
+          <p:sp>
+            <p:nvSpPr>
+              <p:cNvPr id="18" name="TextBox 17">
+                <a:extLst>
+                  <a:ext uri="{FF2B5EF4-FFF2-40B4-BE49-F238E27FC236}">
+                    <a16:creationId xmlns:a16="http://schemas.microsoft.com/office/drawing/2014/main" id="{A858E28D-D23D-4B9E-ABFC-B93BC486E6CA}"/>
+                  </a:ext>
+                </a:extLst>
+              </p:cNvPr>
+              <p:cNvSpPr txBox="1"/>
+              <p:nvPr/>
+            </p:nvSpPr>
+            <p:spPr>
+              <a:xfrm>
+                <a:off x="8084785" y="2849619"/>
+                <a:ext cx="753036" cy="430887"/>
+              </a:xfrm>
+              <a:prstGeom prst="rect">
+                <a:avLst/>
+              </a:prstGeom>
+              <a:noFill/>
+            </p:spPr>
+            <p:txBody>
+              <a:bodyPr wrap="square" rtlCol="0">
+                <a:spAutoFit/>
+              </a:bodyPr>
+              <a:lstStyle/>
+              <a:p>
+                <a:pPr algn="ctr"/>
+                <a:r>
+                  <a:rPr lang="en-US" altLang="ko-KR" sz="2200"/>
+                  <a:t>Bill</a:t>
+                </a:r>
+                <a:endParaRPr lang="ko-KR" altLang="en-US" sz="2200"/>
+              </a:p>
+            </p:txBody>
+          </p:sp>
+          <p:cxnSp>
+            <p:nvCxnSpPr>
+              <p:cNvPr id="21" name="연결선: 구부러짐 20">
+                <a:extLst>
+                  <a:ext uri="{FF2B5EF4-FFF2-40B4-BE49-F238E27FC236}">
+                    <a16:creationId xmlns:a16="http://schemas.microsoft.com/office/drawing/2014/main" id="{66F6B1E2-88BD-4C96-A21E-E26D2E3DD843}"/>
+                  </a:ext>
+                </a:extLst>
+              </p:cNvPr>
+              <p:cNvCxnSpPr>
+                <a:stCxn id="16" idx="3"/>
+                <a:endCxn id="6" idx="3"/>
+              </p:cNvCxnSpPr>
+              <p:nvPr/>
+            </p:nvCxnSpPr>
+            <p:spPr>
+              <a:xfrm flipH="1">
+                <a:off x="7729600" y="3065064"/>
+                <a:ext cx="4067062" cy="1631580"/>
+              </a:xfrm>
+              <a:prstGeom prst="curvedConnector3">
+                <a:avLst>
+                  <a:gd name="adj1" fmla="val -5621"/>
+                </a:avLst>
+              </a:prstGeom>
+              <a:ln w="31750">
+                <a:solidFill>
+                  <a:schemeClr val="tx1"/>
+                </a:solidFill>
+                <a:tailEnd type="triangle"/>
+              </a:ln>
+            </p:spPr>
+            <p:style>
+              <a:lnRef idx="1">
+                <a:schemeClr val="accent1"/>
+              </a:lnRef>
+              <a:fillRef idx="0">
+                <a:schemeClr val="accent1"/>
+              </a:fillRef>
+              <a:effectRef idx="0">
+                <a:schemeClr val="accent1"/>
+              </a:effectRef>
+              <a:fontRef idx="minor">
+                <a:schemeClr val="tx1"/>
+              </a:fontRef>
+            </p:style>
+          </p:cxnSp>
+          <p:sp>
+            <p:nvSpPr>
+              <p:cNvPr id="22" name="TextBox 21">
+                <a:extLst>
+                  <a:ext uri="{FF2B5EF4-FFF2-40B4-BE49-F238E27FC236}">
+                    <a16:creationId xmlns:a16="http://schemas.microsoft.com/office/drawing/2014/main" id="{0E5607EA-6CEB-4434-9A15-5A9634CC815C}"/>
+                  </a:ext>
+                </a:extLst>
+              </p:cNvPr>
+              <p:cNvSpPr txBox="1"/>
+              <p:nvPr/>
+            </p:nvSpPr>
+            <p:spPr>
+              <a:xfrm>
+                <a:off x="10468219" y="4463171"/>
+                <a:ext cx="1445728" cy="430887"/>
+              </a:xfrm>
+              <a:prstGeom prst="rect">
+                <a:avLst/>
+              </a:prstGeom>
+              <a:noFill/>
+            </p:spPr>
+            <p:txBody>
+              <a:bodyPr wrap="square" rtlCol="0">
+                <a:spAutoFit/>
+              </a:bodyPr>
+              <a:lstStyle/>
+              <a:p>
+                <a:pPr algn="ctr"/>
+                <a:r>
+                  <a:rPr lang="en-US" altLang="ko-KR" sz="2200"/>
+                  <a:t>dequeue</a:t>
+                </a:r>
+                <a:endParaRPr lang="ko-KR" altLang="en-US" sz="2200"/>
+              </a:p>
+            </p:txBody>
+          </p:sp>
+          <p:cxnSp>
+            <p:nvCxnSpPr>
+              <p:cNvPr id="24" name="연결선: 구부러짐 23">
+                <a:extLst>
+                  <a:ext uri="{FF2B5EF4-FFF2-40B4-BE49-F238E27FC236}">
+                    <a16:creationId xmlns:a16="http://schemas.microsoft.com/office/drawing/2014/main" id="{B785DA9E-F5D0-4FCA-9262-84AAEFE284DF}"/>
+                  </a:ext>
+                </a:extLst>
+              </p:cNvPr>
+              <p:cNvCxnSpPr>
+                <a:stCxn id="6" idx="1"/>
+                <a:endCxn id="9" idx="1"/>
+              </p:cNvCxnSpPr>
+              <p:nvPr/>
+            </p:nvCxnSpPr>
+            <p:spPr>
+              <a:xfrm rot="10800000">
+                <a:off x="395337" y="3065068"/>
+                <a:ext cx="4922678" cy="1631576"/>
+              </a:xfrm>
+              <a:prstGeom prst="curvedConnector3">
+                <a:avLst>
+                  <a:gd name="adj1" fmla="val 104644"/>
+                </a:avLst>
+              </a:prstGeom>
+              <a:ln w="31750">
+                <a:solidFill>
+                  <a:schemeClr val="tx1"/>
+                </a:solidFill>
+                <a:tailEnd type="triangle"/>
+              </a:ln>
+            </p:spPr>
+            <p:style>
+              <a:lnRef idx="1">
+                <a:schemeClr val="accent1"/>
+              </a:lnRef>
+              <a:fillRef idx="0">
+                <a:schemeClr val="accent1"/>
+              </a:fillRef>
+              <a:effectRef idx="0">
+                <a:schemeClr val="accent1"/>
+              </a:effectRef>
+              <a:fontRef idx="minor">
+                <a:schemeClr val="tx1"/>
+              </a:fontRef>
+            </p:style>
+          </p:cxnSp>
+          <p:sp>
+            <p:nvSpPr>
+              <p:cNvPr id="25" name="TextBox 24">
+                <a:extLst>
+                  <a:ext uri="{FF2B5EF4-FFF2-40B4-BE49-F238E27FC236}">
+                    <a16:creationId xmlns:a16="http://schemas.microsoft.com/office/drawing/2014/main" id="{CFB5DAA4-C2FE-46CB-9C1D-E6C29DB4A2D4}"/>
+                  </a:ext>
+                </a:extLst>
+              </p:cNvPr>
+              <p:cNvSpPr txBox="1"/>
+              <p:nvPr/>
+            </p:nvSpPr>
+            <p:spPr>
+              <a:xfrm>
+                <a:off x="350004" y="4457475"/>
+                <a:ext cx="1445728" cy="430887"/>
+              </a:xfrm>
+              <a:prstGeom prst="rect">
+                <a:avLst/>
+              </a:prstGeom>
+              <a:noFill/>
+            </p:spPr>
+            <p:txBody>
+              <a:bodyPr wrap="square" rtlCol="0">
+                <a:spAutoFit/>
+              </a:bodyPr>
+              <a:lstStyle/>
+              <a:p>
+                <a:pPr algn="ctr"/>
+                <a:r>
+                  <a:rPr lang="en-US" altLang="ko-KR" sz="2200"/>
+                  <a:t>enqueue</a:t>
+                </a:r>
+                <a:endParaRPr lang="ko-KR" altLang="en-US" sz="2200"/>
+              </a:p>
+            </p:txBody>
+          </p:sp>
+        </p:grpSp>
+        <p:grpSp>
+          <p:nvGrpSpPr>
+            <p:cNvPr id="27" name="그룹 26">
+              <a:extLst>
+                <a:ext uri="{FF2B5EF4-FFF2-40B4-BE49-F238E27FC236}">
+                  <a16:creationId xmlns:a16="http://schemas.microsoft.com/office/drawing/2014/main" id="{A6415E08-98F4-41FE-AF9C-41A1C29654DA}"/>
+                </a:ext>
+              </a:extLst>
+            </p:cNvPr>
+            <p:cNvGrpSpPr/>
+            <p:nvPr/>
+          </p:nvGrpSpPr>
+          <p:grpSpPr>
+            <a:xfrm>
+              <a:off x="317208" y="4531705"/>
+              <a:ext cx="11401325" cy="1324393"/>
+              <a:chOff x="395337" y="2376400"/>
+              <a:chExt cx="11401325" cy="1324393"/>
+            </a:xfrm>
+          </p:grpSpPr>
+          <p:grpSp>
+            <p:nvGrpSpPr>
+              <p:cNvPr id="35" name="그룹 34">
+                <a:extLst>
+                  <a:ext uri="{FF2B5EF4-FFF2-40B4-BE49-F238E27FC236}">
+                    <a16:creationId xmlns:a16="http://schemas.microsoft.com/office/drawing/2014/main" id="{E719BF72-19E8-42BE-A954-3673AE986AA4}"/>
+                  </a:ext>
+                </a:extLst>
+              </p:cNvPr>
+              <p:cNvGrpSpPr/>
+              <p:nvPr/>
+            </p:nvGrpSpPr>
+            <p:grpSpPr>
+              <a:xfrm>
+                <a:off x="395337" y="2376400"/>
+                <a:ext cx="11401325" cy="1324393"/>
+                <a:chOff x="683041" y="2623102"/>
+                <a:chExt cx="11401325" cy="1324393"/>
+              </a:xfrm>
+            </p:grpSpPr>
+            <p:sp>
+              <p:nvSpPr>
+                <p:cNvPr id="37" name="직사각형 36">
+                  <a:extLst>
+                    <a:ext uri="{FF2B5EF4-FFF2-40B4-BE49-F238E27FC236}">
+                      <a16:creationId xmlns:a16="http://schemas.microsoft.com/office/drawing/2014/main" id="{CD4BCDAF-5280-41B9-AE1C-EC8B5F569099}"/>
+                    </a:ext>
+                  </a:extLst>
+                </p:cNvPr>
+                <p:cNvSpPr/>
+                <p:nvPr/>
+              </p:nvSpPr>
+              <p:spPr>
+                <a:xfrm>
+                  <a:off x="1436077" y="2623102"/>
+                  <a:ext cx="9319846" cy="175846"/>
+                </a:xfrm>
+                <a:prstGeom prst="rect">
+                  <a:avLst/>
+                </a:prstGeom>
+                <a:solidFill>
+                  <a:schemeClr val="bg1"/>
+                </a:solidFill>
+                <a:effectLst>
+                  <a:outerShdw blurRad="50800" dist="50800" dir="5400000" algn="ctr" rotWithShape="0">
+                    <a:schemeClr val="tx1">
+                      <a:lumMod val="50000"/>
+                      <a:lumOff val="50000"/>
+                    </a:schemeClr>
+                  </a:outerShdw>
+                </a:effectLst>
+              </p:spPr>
+              <p:style>
+                <a:lnRef idx="2">
+                  <a:schemeClr val="accent1">
+                    <a:shade val="50000"/>
+                  </a:schemeClr>
+                </a:lnRef>
+                <a:fillRef idx="1">
+                  <a:schemeClr val="accent1"/>
+                </a:fillRef>
+                <a:effectRef idx="0">
+                  <a:schemeClr val="accent1"/>
+                </a:effectRef>
+                <a:fontRef idx="minor">
+                  <a:schemeClr val="lt1"/>
+                </a:fontRef>
+              </p:style>
+              <p:txBody>
+                <a:bodyPr rtlCol="0" anchor="ctr"/>
+                <a:lstStyle/>
+                <a:p>
+                  <a:pPr algn="ctr"/>
+                  <a:endParaRPr lang="ko-KR" altLang="en-US"/>
+                </a:p>
+              </p:txBody>
+            </p:sp>
+            <p:sp>
+              <p:nvSpPr>
+                <p:cNvPr id="38" name="직사각형 37">
+                  <a:extLst>
+                    <a:ext uri="{FF2B5EF4-FFF2-40B4-BE49-F238E27FC236}">
+                      <a16:creationId xmlns:a16="http://schemas.microsoft.com/office/drawing/2014/main" id="{5409297C-8663-4B85-9B71-B930C3AE51D1}"/>
+                    </a:ext>
+                  </a:extLst>
+                </p:cNvPr>
+                <p:cNvSpPr/>
+                <p:nvPr/>
+              </p:nvSpPr>
+              <p:spPr>
+                <a:xfrm>
+                  <a:off x="1436077" y="3771649"/>
+                  <a:ext cx="9319846" cy="175846"/>
+                </a:xfrm>
+                <a:prstGeom prst="rect">
+                  <a:avLst/>
+                </a:prstGeom>
+                <a:solidFill>
+                  <a:schemeClr val="bg1"/>
+                </a:solidFill>
+                <a:effectLst>
+                  <a:outerShdw blurRad="50800" dist="50800" dir="5400000" algn="ctr" rotWithShape="0">
+                    <a:schemeClr val="tx1">
+                      <a:lumMod val="50000"/>
+                      <a:lumOff val="50000"/>
+                    </a:schemeClr>
+                  </a:outerShdw>
+                </a:effectLst>
+              </p:spPr>
+              <p:style>
+                <a:lnRef idx="2">
+                  <a:schemeClr val="accent1">
+                    <a:shade val="50000"/>
+                  </a:schemeClr>
+                </a:lnRef>
+                <a:fillRef idx="1">
+                  <a:schemeClr val="accent1"/>
+                </a:fillRef>
+                <a:effectRef idx="0">
+                  <a:schemeClr val="accent1"/>
+                </a:effectRef>
+                <a:fontRef idx="minor">
+                  <a:schemeClr val="lt1"/>
+                </a:fontRef>
+              </p:style>
+              <p:txBody>
+                <a:bodyPr rtlCol="0" anchor="ctr"/>
+                <a:lstStyle/>
+                <a:p>
+                  <a:pPr algn="ctr"/>
+                  <a:endParaRPr lang="ko-KR" altLang="en-US"/>
+                </a:p>
+              </p:txBody>
+            </p:sp>
+            <p:sp>
+              <p:nvSpPr>
+                <p:cNvPr id="39" name="TextBox 38">
+                  <a:extLst>
+                    <a:ext uri="{FF2B5EF4-FFF2-40B4-BE49-F238E27FC236}">
+                      <a16:creationId xmlns:a16="http://schemas.microsoft.com/office/drawing/2014/main" id="{820A99DD-D856-4C30-A6F9-350ABA3C0212}"/>
+                    </a:ext>
+                  </a:extLst>
+                </p:cNvPr>
+                <p:cNvSpPr txBox="1"/>
+                <p:nvPr/>
+              </p:nvSpPr>
+              <p:spPr>
+                <a:xfrm>
+                  <a:off x="683041" y="3096326"/>
+                  <a:ext cx="753036" cy="430887"/>
+                </a:xfrm>
+                <a:prstGeom prst="rect">
+                  <a:avLst/>
+                </a:prstGeom>
+                <a:noFill/>
+              </p:spPr>
+              <p:txBody>
+                <a:bodyPr wrap="square" rtlCol="0">
+                  <a:spAutoFit/>
+                </a:bodyPr>
+                <a:lstStyle/>
+                <a:p>
+                  <a:pPr algn="ctr"/>
+                  <a:r>
+                    <a:rPr lang="en-US" altLang="ko-KR" sz="2200"/>
+                    <a:t>rear</a:t>
+                  </a:r>
+                  <a:endParaRPr lang="ko-KR" altLang="en-US" sz="2200"/>
+                </a:p>
+              </p:txBody>
+            </p:sp>
+            <p:cxnSp>
+              <p:nvCxnSpPr>
+                <p:cNvPr id="40" name="직선 화살표 연결선 39">
+                  <a:extLst>
+                    <a:ext uri="{FF2B5EF4-FFF2-40B4-BE49-F238E27FC236}">
+                      <a16:creationId xmlns:a16="http://schemas.microsoft.com/office/drawing/2014/main" id="{68E5A10E-9237-43E7-ACBB-1387D2822D3E}"/>
+                    </a:ext>
+                  </a:extLst>
+                </p:cNvPr>
+                <p:cNvCxnSpPr>
+                  <a:cxnSpLocks/>
+                </p:cNvCxnSpPr>
+                <p:nvPr/>
+              </p:nvCxnSpPr>
+              <p:spPr>
+                <a:xfrm>
+                  <a:off x="1436077" y="3311769"/>
+                  <a:ext cx="1294718" cy="0"/>
+                </a:xfrm>
+                <a:prstGeom prst="straightConnector1">
+                  <a:avLst/>
+                </a:prstGeom>
+                <a:ln w="31750">
+                  <a:solidFill>
+                    <a:schemeClr val="tx1"/>
+                  </a:solidFill>
+                  <a:tailEnd type="triangle"/>
+                </a:ln>
+              </p:spPr>
+              <p:style>
+                <a:lnRef idx="1">
+                  <a:schemeClr val="accent1"/>
+                </a:lnRef>
+                <a:fillRef idx="0">
+                  <a:schemeClr val="accent1"/>
+                </a:fillRef>
+                <a:effectRef idx="0">
+                  <a:schemeClr val="accent1"/>
+                </a:effectRef>
+                <a:fontRef idx="minor">
+                  <a:schemeClr val="tx1"/>
+                </a:fontRef>
+              </p:style>
+            </p:cxnSp>
+            <p:sp>
+              <p:nvSpPr>
+                <p:cNvPr id="41" name="TextBox 40">
+                  <a:extLst>
+                    <a:ext uri="{FF2B5EF4-FFF2-40B4-BE49-F238E27FC236}">
+                      <a16:creationId xmlns:a16="http://schemas.microsoft.com/office/drawing/2014/main" id="{29680E11-8230-4028-A541-8257BB55B325}"/>
+                    </a:ext>
+                  </a:extLst>
+                </p:cNvPr>
+                <p:cNvSpPr txBox="1"/>
+                <p:nvPr/>
+              </p:nvSpPr>
+              <p:spPr>
+                <a:xfrm>
+                  <a:off x="2892841" y="3096325"/>
+                  <a:ext cx="940116" cy="430887"/>
+                </a:xfrm>
+                <a:prstGeom prst="rect">
+                  <a:avLst/>
+                </a:prstGeom>
+                <a:noFill/>
+              </p:spPr>
+              <p:txBody>
+                <a:bodyPr wrap="square" rtlCol="0">
+                  <a:spAutoFit/>
+                </a:bodyPr>
+                <a:lstStyle/>
+                <a:p>
+                  <a:pPr algn="ctr"/>
+                  <a:r>
+                    <a:rPr lang="en-US" altLang="ko-KR" sz="2200"/>
+                    <a:t>Bill</a:t>
+                  </a:r>
+                  <a:endParaRPr lang="ko-KR" altLang="en-US" sz="2200"/>
+                </a:p>
+              </p:txBody>
+            </p:sp>
+            <p:sp>
+              <p:nvSpPr>
+                <p:cNvPr id="42" name="TextBox 41">
+                  <a:extLst>
+                    <a:ext uri="{FF2B5EF4-FFF2-40B4-BE49-F238E27FC236}">
+                      <a16:creationId xmlns:a16="http://schemas.microsoft.com/office/drawing/2014/main" id="{6AF234C7-75E4-4375-B9D2-159220F44C40}"/>
+                    </a:ext>
+                  </a:extLst>
+                </p:cNvPr>
+                <p:cNvSpPr txBox="1"/>
+                <p:nvPr/>
+              </p:nvSpPr>
+              <p:spPr>
+                <a:xfrm>
+                  <a:off x="3871007" y="3096321"/>
+                  <a:ext cx="806822" cy="430887"/>
+                </a:xfrm>
+                <a:prstGeom prst="rect">
+                  <a:avLst/>
+                </a:prstGeom>
+                <a:noFill/>
+              </p:spPr>
+              <p:txBody>
+                <a:bodyPr wrap="square" rtlCol="0">
+                  <a:spAutoFit/>
+                </a:bodyPr>
+                <a:lstStyle/>
+                <a:p>
+                  <a:pPr algn="ctr"/>
+                  <a:r>
+                    <a:rPr lang="en-US" altLang="ko-KR" sz="2200"/>
+                    <a:t>Brad</a:t>
+                  </a:r>
+                  <a:endParaRPr lang="ko-KR" altLang="en-US" sz="2200"/>
+                </a:p>
+              </p:txBody>
+            </p:sp>
+            <p:sp>
+              <p:nvSpPr>
+                <p:cNvPr id="43" name="TextBox 42">
+                  <a:extLst>
+                    <a:ext uri="{FF2B5EF4-FFF2-40B4-BE49-F238E27FC236}">
+                      <a16:creationId xmlns:a16="http://schemas.microsoft.com/office/drawing/2014/main" id="{743EF92F-0892-4F22-AA82-FF6C44E95D6E}"/>
+                    </a:ext>
+                  </a:extLst>
+                </p:cNvPr>
+                <p:cNvSpPr txBox="1"/>
+                <p:nvPr/>
+              </p:nvSpPr>
+              <p:spPr>
+                <a:xfrm>
+                  <a:off x="5852877" y="3095745"/>
+                  <a:ext cx="958635" cy="430887"/>
+                </a:xfrm>
+                <a:prstGeom prst="rect">
+                  <a:avLst/>
+                </a:prstGeom>
+                <a:noFill/>
+              </p:spPr>
+              <p:txBody>
+                <a:bodyPr wrap="square" rtlCol="0">
+                  <a:spAutoFit/>
+                </a:bodyPr>
+                <a:lstStyle/>
+                <a:p>
+                  <a:pPr algn="ctr"/>
+                  <a:r>
+                    <a:rPr lang="en-US" altLang="ko-KR" sz="2200"/>
+                    <a:t>Jane</a:t>
+                  </a:r>
+                  <a:endParaRPr lang="ko-KR" altLang="en-US" sz="2200"/>
+                </a:p>
+              </p:txBody>
+            </p:sp>
+            <p:sp>
+              <p:nvSpPr>
+                <p:cNvPr id="44" name="TextBox 43">
+                  <a:extLst>
+                    <a:ext uri="{FF2B5EF4-FFF2-40B4-BE49-F238E27FC236}">
+                      <a16:creationId xmlns:a16="http://schemas.microsoft.com/office/drawing/2014/main" id="{F0E36474-8CF0-469E-8B9F-5EE139726451}"/>
+                    </a:ext>
+                  </a:extLst>
+                </p:cNvPr>
+                <p:cNvSpPr txBox="1"/>
+                <p:nvPr/>
+              </p:nvSpPr>
+              <p:spPr>
+                <a:xfrm>
+                  <a:off x="7172432" y="3095745"/>
+                  <a:ext cx="958635" cy="430887"/>
+                </a:xfrm>
+                <a:prstGeom prst="rect">
+                  <a:avLst/>
+                </a:prstGeom>
+                <a:noFill/>
+              </p:spPr>
+              <p:txBody>
+                <a:bodyPr wrap="square" rtlCol="0">
+                  <a:spAutoFit/>
+                </a:bodyPr>
+                <a:lstStyle/>
+                <a:p>
+                  <a:pPr algn="ctr"/>
+                  <a:r>
+                    <a:rPr lang="en-US" altLang="ko-KR" sz="2200"/>
+                    <a:t>Susan</a:t>
+                  </a:r>
+                  <a:endParaRPr lang="ko-KR" altLang="en-US" sz="2200"/>
+                </a:p>
+              </p:txBody>
+            </p:sp>
+            <p:cxnSp>
+              <p:nvCxnSpPr>
+                <p:cNvPr id="45" name="직선 화살표 연결선 44">
+                  <a:extLst>
+                    <a:ext uri="{FF2B5EF4-FFF2-40B4-BE49-F238E27FC236}">
+                      <a16:creationId xmlns:a16="http://schemas.microsoft.com/office/drawing/2014/main" id="{2D1DF895-23A6-4A30-AB90-74671B1A62A5}"/>
+                    </a:ext>
+                  </a:extLst>
+                </p:cNvPr>
+                <p:cNvCxnSpPr>
+                  <a:cxnSpLocks/>
+                </p:cNvCxnSpPr>
+                <p:nvPr/>
+              </p:nvCxnSpPr>
+              <p:spPr>
+                <a:xfrm>
+                  <a:off x="9458598" y="3311766"/>
+                  <a:ext cx="1685652" cy="0"/>
+                </a:xfrm>
+                <a:prstGeom prst="straightConnector1">
+                  <a:avLst/>
+                </a:prstGeom>
+                <a:ln w="31750">
+                  <a:solidFill>
+                    <a:schemeClr val="tx1"/>
+                  </a:solidFill>
+                  <a:tailEnd type="triangle"/>
+                </a:ln>
+              </p:spPr>
+              <p:style>
+                <a:lnRef idx="1">
+                  <a:schemeClr val="accent1"/>
+                </a:lnRef>
+                <a:fillRef idx="0">
+                  <a:schemeClr val="accent1"/>
+                </a:fillRef>
+                <a:effectRef idx="0">
+                  <a:schemeClr val="accent1"/>
+                </a:effectRef>
+                <a:fontRef idx="minor">
+                  <a:schemeClr val="tx1"/>
+                </a:fontRef>
+              </p:style>
+            </p:cxnSp>
+            <p:sp>
+              <p:nvSpPr>
+                <p:cNvPr id="46" name="TextBox 45">
+                  <a:extLst>
+                    <a:ext uri="{FF2B5EF4-FFF2-40B4-BE49-F238E27FC236}">
+                      <a16:creationId xmlns:a16="http://schemas.microsoft.com/office/drawing/2014/main" id="{1EB545B1-DF4C-4005-B865-FEB687CB07F2}"/>
+                    </a:ext>
+                  </a:extLst>
+                </p:cNvPr>
+                <p:cNvSpPr txBox="1"/>
+                <p:nvPr/>
+              </p:nvSpPr>
+              <p:spPr>
+                <a:xfrm>
+                  <a:off x="11144250" y="3096322"/>
+                  <a:ext cx="940116" cy="430887"/>
+                </a:xfrm>
+                <a:prstGeom prst="rect">
+                  <a:avLst/>
+                </a:prstGeom>
+                <a:noFill/>
+              </p:spPr>
+              <p:txBody>
+                <a:bodyPr wrap="square" rtlCol="0">
+                  <a:spAutoFit/>
+                </a:bodyPr>
+                <a:lstStyle/>
+                <a:p>
+                  <a:pPr algn="ctr"/>
+                  <a:r>
+                    <a:rPr lang="en-US" altLang="ko-KR" sz="2200"/>
+                    <a:t>front</a:t>
+                  </a:r>
+                  <a:endParaRPr lang="ko-KR" altLang="en-US" sz="2200"/>
+                </a:p>
+              </p:txBody>
+            </p:sp>
+          </p:grpSp>
+          <p:sp>
+            <p:nvSpPr>
+              <p:cNvPr id="29" name="TextBox 28">
+                <a:extLst>
+                  <a:ext uri="{FF2B5EF4-FFF2-40B4-BE49-F238E27FC236}">
+                    <a16:creationId xmlns:a16="http://schemas.microsoft.com/office/drawing/2014/main" id="{A652A834-F3CC-4B3E-B9CD-7C6117A4E48A}"/>
+                  </a:ext>
+                </a:extLst>
+              </p:cNvPr>
+              <p:cNvSpPr txBox="1"/>
+              <p:nvPr/>
+            </p:nvSpPr>
+            <p:spPr>
+              <a:xfrm>
+                <a:off x="4570715" y="2849619"/>
+                <a:ext cx="753036" cy="430887"/>
+              </a:xfrm>
+              <a:prstGeom prst="rect">
+                <a:avLst/>
+              </a:prstGeom>
+              <a:noFill/>
+            </p:spPr>
+            <p:txBody>
+              <a:bodyPr wrap="square" rtlCol="0">
+                <a:spAutoFit/>
+              </a:bodyPr>
+              <a:lstStyle/>
+              <a:p>
+                <a:pPr algn="ctr"/>
+                <a:r>
+                  <a:rPr lang="en-US" altLang="ko-KR" sz="2200"/>
+                  <a:t>Kent</a:t>
+                </a:r>
+                <a:endParaRPr lang="ko-KR" altLang="en-US" sz="2200"/>
+              </a:p>
+            </p:txBody>
+          </p:sp>
+          <p:sp>
+            <p:nvSpPr>
+              <p:cNvPr id="30" name="TextBox 29">
+                <a:extLst>
+                  <a:ext uri="{FF2B5EF4-FFF2-40B4-BE49-F238E27FC236}">
+                    <a16:creationId xmlns:a16="http://schemas.microsoft.com/office/drawing/2014/main" id="{540DDE3C-1A7F-42D5-8DB3-8F066700B748}"/>
+                  </a:ext>
+                </a:extLst>
+              </p:cNvPr>
+              <p:cNvSpPr txBox="1"/>
+              <p:nvPr/>
+            </p:nvSpPr>
+            <p:spPr>
+              <a:xfrm>
+                <a:off x="8084785" y="2849619"/>
+                <a:ext cx="968824" cy="430887"/>
+              </a:xfrm>
+              <a:prstGeom prst="rect">
+                <a:avLst/>
+              </a:prstGeom>
+              <a:noFill/>
+            </p:spPr>
+            <p:txBody>
+              <a:bodyPr wrap="square" rtlCol="0">
+                <a:spAutoFit/>
+              </a:bodyPr>
+              <a:lstStyle/>
+              <a:p>
+                <a:pPr algn="ctr"/>
+                <a:r>
+                  <a:rPr lang="en-US" altLang="ko-KR" sz="2200"/>
+                  <a:t>David</a:t>
+                </a:r>
+                <a:endParaRPr lang="ko-KR" altLang="en-US" sz="2200"/>
+              </a:p>
+            </p:txBody>
+          </p:sp>
+        </p:grpSp>
+      </p:grpSp>
+    </p:spTree>
+    <p:extLst>
+      <p:ext uri="{BB962C8B-B14F-4D97-AF65-F5344CB8AC3E}">
+        <p14:creationId xmlns:p14="http://schemas.microsoft.com/office/powerpoint/2010/main" val="879536456"/>
+      </p:ext>
+    </p:extLst>
+  </p:cSld>
+  <p:clrMapOvr>
+    <a:masterClrMapping/>
+  </p:clrMapOvr>
+</p:sld>
+</file>
+
+<file path=ppt/slides/slide16.xml><?xml version="1.0" encoding="utf-8"?>
+<p:sld xmlns:a="http://schemas.openxmlformats.org/drawingml/2006/main" xmlns:r="http://schemas.openxmlformats.org/officeDocument/2006/relationships" xmlns:p="http://schemas.openxmlformats.org/presentationml/2006/main">
+  <p:cSld>
+    <p:spTree>
+      <p:nvGrpSpPr>
+        <p:cNvPr id="1" name=""/>
+        <p:cNvGrpSpPr/>
+        <p:nvPr/>
+      </p:nvGrpSpPr>
+      <p:grpSpPr>
+        <a:xfrm>
+          <a:off x="0" y="0"/>
+          <a:ext cx="0" cy="0"/>
+          <a:chOff x="0" y="0"/>
+          <a:chExt cx="0" cy="0"/>
+        </a:xfrm>
+      </p:grpSpPr>
+      <p:grpSp>
+        <p:nvGrpSpPr>
+          <p:cNvPr id="10" name="그룹 9">
+            <a:extLst>
+              <a:ext uri="{FF2B5EF4-FFF2-40B4-BE49-F238E27FC236}">
+                <a16:creationId xmlns:a16="http://schemas.microsoft.com/office/drawing/2014/main" id="{F0AD2A4A-0AB9-40B0-80C2-0B75D90F165A}"/>
+              </a:ext>
+            </a:extLst>
+          </p:cNvPr>
+          <p:cNvGrpSpPr/>
+          <p:nvPr/>
+        </p:nvGrpSpPr>
+        <p:grpSpPr>
+          <a:xfrm>
+            <a:off x="2568387" y="1245803"/>
+            <a:ext cx="7055225" cy="4366394"/>
+            <a:chOff x="1281953" y="725560"/>
+            <a:chExt cx="6723530" cy="4187680"/>
+          </a:xfrm>
+        </p:grpSpPr>
+        <p:sp>
+          <p:nvSpPr>
+            <p:cNvPr id="4" name="TextBox 3">
+              <a:extLst>
+                <a:ext uri="{FF2B5EF4-FFF2-40B4-BE49-F238E27FC236}">
+                  <a16:creationId xmlns:a16="http://schemas.microsoft.com/office/drawing/2014/main" id="{E8A5D172-83BF-4FC7-AE5B-25469AAFA452}"/>
+                </a:ext>
+              </a:extLst>
+            </p:cNvPr>
+            <p:cNvSpPr txBox="1"/>
+            <p:nvPr/>
+          </p:nvSpPr>
+          <p:spPr>
+            <a:xfrm>
+              <a:off x="2124635" y="1156447"/>
+              <a:ext cx="510989" cy="430887"/>
+            </a:xfrm>
+            <a:prstGeom prst="rect">
+              <a:avLst/>
+            </a:prstGeom>
+            <a:noFill/>
+          </p:spPr>
+          <p:txBody>
+            <a:bodyPr wrap="square" rtlCol="0">
+              <a:spAutoFit/>
+            </a:bodyPr>
+            <a:lstStyle/>
+            <a:p>
+              <a:r>
+                <a:rPr lang="en-US" altLang="ko-KR" sz="2200"/>
+                <a:t>31</a:t>
+              </a:r>
+              <a:endParaRPr lang="ko-KR" altLang="en-US" sz="2200"/>
+            </a:p>
+          </p:txBody>
+        </p:sp>
+        <p:sp>
+          <p:nvSpPr>
+            <p:cNvPr id="5" name="TextBox 4">
+              <a:extLst>
+                <a:ext uri="{FF2B5EF4-FFF2-40B4-BE49-F238E27FC236}">
+                  <a16:creationId xmlns:a16="http://schemas.microsoft.com/office/drawing/2014/main" id="{B6AC1D6D-3FF2-4EB7-B706-437DB9F8E7FD}"/>
+                </a:ext>
+              </a:extLst>
+            </p:cNvPr>
+            <p:cNvSpPr txBox="1"/>
+            <p:nvPr/>
+          </p:nvSpPr>
+          <p:spPr>
+            <a:xfrm>
+              <a:off x="6096000" y="725560"/>
+              <a:ext cx="510989" cy="430887"/>
+            </a:xfrm>
+            <a:prstGeom prst="rect">
+              <a:avLst/>
+            </a:prstGeom>
+            <a:noFill/>
+          </p:spPr>
+          <p:txBody>
+            <a:bodyPr wrap="square" rtlCol="0">
+              <a:spAutoFit/>
+            </a:bodyPr>
+            <a:lstStyle/>
+            <a:p>
+              <a:r>
+                <a:rPr lang="en-US" altLang="ko-KR" sz="2200"/>
+                <a:t>17</a:t>
+              </a:r>
+              <a:endParaRPr lang="ko-KR" altLang="en-US" sz="2200"/>
+            </a:p>
+          </p:txBody>
+        </p:sp>
+        <p:sp>
+          <p:nvSpPr>
+            <p:cNvPr id="6" name="TextBox 5">
+              <a:extLst>
+                <a:ext uri="{FF2B5EF4-FFF2-40B4-BE49-F238E27FC236}">
+                  <a16:creationId xmlns:a16="http://schemas.microsoft.com/office/drawing/2014/main" id="{D3EC1DC3-D0C5-405B-A7AE-64606AC4F2A3}"/>
+                </a:ext>
+              </a:extLst>
+            </p:cNvPr>
+            <p:cNvSpPr txBox="1"/>
+            <p:nvPr/>
+          </p:nvSpPr>
+          <p:spPr>
+            <a:xfrm>
+              <a:off x="7494494" y="1587334"/>
+              <a:ext cx="510989" cy="430887"/>
+            </a:xfrm>
+            <a:prstGeom prst="rect">
+              <a:avLst/>
+            </a:prstGeom>
+            <a:noFill/>
+          </p:spPr>
+          <p:txBody>
+            <a:bodyPr wrap="square" rtlCol="0">
+              <a:spAutoFit/>
+            </a:bodyPr>
+            <a:lstStyle/>
+            <a:p>
+              <a:r>
+                <a:rPr lang="en-US" altLang="ko-KR" sz="2200"/>
+                <a:t>26</a:t>
+              </a:r>
+              <a:endParaRPr lang="ko-KR" altLang="en-US" sz="2200"/>
+            </a:p>
+          </p:txBody>
+        </p:sp>
+        <p:sp>
+          <p:nvSpPr>
+            <p:cNvPr id="7" name="TextBox 6">
+              <a:extLst>
+                <a:ext uri="{FF2B5EF4-FFF2-40B4-BE49-F238E27FC236}">
+                  <a16:creationId xmlns:a16="http://schemas.microsoft.com/office/drawing/2014/main" id="{C717B18F-197A-499D-AF0D-E5B9D48FF353}"/>
+                </a:ext>
+              </a:extLst>
+            </p:cNvPr>
+            <p:cNvSpPr txBox="1"/>
+            <p:nvPr/>
+          </p:nvSpPr>
+          <p:spPr>
+            <a:xfrm>
+              <a:off x="1281953" y="3429000"/>
+              <a:ext cx="510989" cy="430887"/>
+            </a:xfrm>
+            <a:prstGeom prst="rect">
+              <a:avLst/>
+            </a:prstGeom>
+            <a:noFill/>
+          </p:spPr>
+          <p:txBody>
+            <a:bodyPr wrap="square" rtlCol="0">
+              <a:spAutoFit/>
+            </a:bodyPr>
+            <a:lstStyle/>
+            <a:p>
+              <a:r>
+                <a:rPr lang="en-US" altLang="ko-KR" sz="2200"/>
+                <a:t>54</a:t>
+              </a:r>
+              <a:endParaRPr lang="ko-KR" altLang="en-US" sz="2200"/>
+            </a:p>
+          </p:txBody>
+        </p:sp>
+        <p:sp>
+          <p:nvSpPr>
+            <p:cNvPr id="8" name="TextBox 7">
+              <a:extLst>
+                <a:ext uri="{FF2B5EF4-FFF2-40B4-BE49-F238E27FC236}">
+                  <a16:creationId xmlns:a16="http://schemas.microsoft.com/office/drawing/2014/main" id="{CB9B7A6B-5FD1-4508-8987-3D917D6C3DFB}"/>
+                </a:ext>
+              </a:extLst>
+            </p:cNvPr>
+            <p:cNvSpPr txBox="1"/>
+            <p:nvPr/>
+          </p:nvSpPr>
+          <p:spPr>
+            <a:xfrm>
+              <a:off x="2716307" y="4482353"/>
+              <a:ext cx="510989" cy="430887"/>
+            </a:xfrm>
+            <a:prstGeom prst="rect">
+              <a:avLst/>
+            </a:prstGeom>
+            <a:noFill/>
+          </p:spPr>
+          <p:txBody>
+            <a:bodyPr wrap="square" rtlCol="0">
+              <a:spAutoFit/>
+            </a:bodyPr>
+            <a:lstStyle/>
+            <a:p>
+              <a:r>
+                <a:rPr lang="en-US" altLang="ko-KR" sz="2200"/>
+                <a:t>77</a:t>
+              </a:r>
+              <a:endParaRPr lang="ko-KR" altLang="en-US" sz="2200"/>
+            </a:p>
+          </p:txBody>
+        </p:sp>
+        <p:sp>
+          <p:nvSpPr>
+            <p:cNvPr id="9" name="TextBox 8">
+              <a:extLst>
+                <a:ext uri="{FF2B5EF4-FFF2-40B4-BE49-F238E27FC236}">
+                  <a16:creationId xmlns:a16="http://schemas.microsoft.com/office/drawing/2014/main" id="{8571B040-CE05-4969-A162-EB5AED26729D}"/>
+                </a:ext>
+              </a:extLst>
+            </p:cNvPr>
+            <p:cNvSpPr txBox="1"/>
+            <p:nvPr/>
+          </p:nvSpPr>
+          <p:spPr>
+            <a:xfrm>
+              <a:off x="5585011" y="4133019"/>
+              <a:ext cx="510989" cy="430887"/>
+            </a:xfrm>
+            <a:prstGeom prst="rect">
+              <a:avLst/>
+            </a:prstGeom>
+            <a:noFill/>
+          </p:spPr>
+          <p:txBody>
+            <a:bodyPr wrap="square" rtlCol="0">
+              <a:spAutoFit/>
+            </a:bodyPr>
+            <a:lstStyle/>
+            <a:p>
+              <a:r>
+                <a:rPr lang="en-US" altLang="ko-KR" sz="2200"/>
+                <a:t>93</a:t>
+              </a:r>
+              <a:endParaRPr lang="ko-KR" altLang="en-US" sz="2200"/>
+            </a:p>
+          </p:txBody>
+        </p:sp>
+      </p:grpSp>
+    </p:spTree>
+    <p:extLst>
+      <p:ext uri="{BB962C8B-B14F-4D97-AF65-F5344CB8AC3E}">
+        <p14:creationId xmlns:p14="http://schemas.microsoft.com/office/powerpoint/2010/main" val="3465961854"/>
+      </p:ext>
+    </p:extLst>
+  </p:cSld>
+  <p:clrMapOvr>
+    <a:masterClrMapping/>
+  </p:clrMapOvr>
+</p:sld>
+</file>
+
+<file path=ppt/slides/slide17.xml><?xml version="1.0" encoding="utf-8"?>
+<p:sld xmlns:a="http://schemas.openxmlformats.org/drawingml/2006/main" xmlns:r="http://schemas.openxmlformats.org/officeDocument/2006/relationships" xmlns:p="http://schemas.openxmlformats.org/presentationml/2006/main">
+  <p:cSld>
+    <p:spTree>
+      <p:nvGrpSpPr>
+        <p:cNvPr id="1" name=""/>
+        <p:cNvGrpSpPr/>
+        <p:nvPr/>
+      </p:nvGrpSpPr>
+      <p:grpSpPr>
+        <a:xfrm>
+          <a:off x="0" y="0"/>
+          <a:ext cx="0" cy="0"/>
+          <a:chOff x="0" y="0"/>
+          <a:chExt cx="0" cy="0"/>
+        </a:xfrm>
+      </p:grpSpPr>
+      <p:grpSp>
+        <p:nvGrpSpPr>
+          <p:cNvPr id="25" name="그룹 24">
+            <a:extLst>
+              <a:ext uri="{FF2B5EF4-FFF2-40B4-BE49-F238E27FC236}">
+                <a16:creationId xmlns:a16="http://schemas.microsoft.com/office/drawing/2014/main" id="{3FD3BD65-96E0-4D79-ACAC-2C03CF86BD73}"/>
+              </a:ext>
+            </a:extLst>
+          </p:cNvPr>
+          <p:cNvGrpSpPr/>
+          <p:nvPr/>
+        </p:nvGrpSpPr>
+        <p:grpSpPr>
+          <a:xfrm>
+            <a:off x="2012575" y="1245803"/>
+            <a:ext cx="8166850" cy="4366394"/>
+            <a:chOff x="1456762" y="1245803"/>
+            <a:chExt cx="8166850" cy="4366394"/>
+          </a:xfrm>
+        </p:grpSpPr>
+        <p:grpSp>
+          <p:nvGrpSpPr>
+            <p:cNvPr id="4" name="그룹 3">
+              <a:extLst>
+                <a:ext uri="{FF2B5EF4-FFF2-40B4-BE49-F238E27FC236}">
+                  <a16:creationId xmlns:a16="http://schemas.microsoft.com/office/drawing/2014/main" id="{ED1EEF5E-D157-4F94-A81B-81B31130C5D1}"/>
+                </a:ext>
+              </a:extLst>
+            </p:cNvPr>
+            <p:cNvGrpSpPr/>
+            <p:nvPr/>
+          </p:nvGrpSpPr>
+          <p:grpSpPr>
+            <a:xfrm>
+              <a:off x="2568387" y="1245803"/>
+              <a:ext cx="7055225" cy="4366394"/>
+              <a:chOff x="1281953" y="725560"/>
+              <a:chExt cx="6723530" cy="4187680"/>
+            </a:xfrm>
+          </p:grpSpPr>
+          <p:sp>
+            <p:nvSpPr>
+              <p:cNvPr id="5" name="TextBox 4">
+                <a:extLst>
+                  <a:ext uri="{FF2B5EF4-FFF2-40B4-BE49-F238E27FC236}">
+                    <a16:creationId xmlns:a16="http://schemas.microsoft.com/office/drawing/2014/main" id="{4796D346-A7D9-4734-A84A-CE503D16E269}"/>
+                  </a:ext>
+                </a:extLst>
+              </p:cNvPr>
+              <p:cNvSpPr txBox="1"/>
+              <p:nvPr/>
+            </p:nvSpPr>
+            <p:spPr>
+              <a:xfrm>
+                <a:off x="2124635" y="1156447"/>
+                <a:ext cx="1297401" cy="413251"/>
+              </a:xfrm>
+              <a:prstGeom prst="rect">
+                <a:avLst/>
+              </a:prstGeom>
+              <a:noFill/>
+            </p:spPr>
+            <p:txBody>
+              <a:bodyPr wrap="square" rtlCol="0">
+                <a:spAutoFit/>
+              </a:bodyPr>
+              <a:lstStyle/>
+              <a:p>
+                <a:r>
+                  <a:rPr lang="en-US" altLang="ko-KR" sz="2200"/>
+                  <a:t>31 (End)</a:t>
+                </a:r>
+                <a:endParaRPr lang="ko-KR" altLang="en-US" sz="2200"/>
+              </a:p>
+            </p:txBody>
+          </p:sp>
+          <p:sp>
+            <p:nvSpPr>
+              <p:cNvPr id="6" name="TextBox 5">
+                <a:extLst>
+                  <a:ext uri="{FF2B5EF4-FFF2-40B4-BE49-F238E27FC236}">
+                    <a16:creationId xmlns:a16="http://schemas.microsoft.com/office/drawing/2014/main" id="{4F6F7D2E-412F-4F01-996A-1531B5075864}"/>
+                  </a:ext>
+                </a:extLst>
+              </p:cNvPr>
+              <p:cNvSpPr txBox="1"/>
+              <p:nvPr/>
+            </p:nvSpPr>
+            <p:spPr>
+              <a:xfrm>
+                <a:off x="6096000" y="725560"/>
+                <a:ext cx="510989" cy="430887"/>
+              </a:xfrm>
+              <a:prstGeom prst="rect">
+                <a:avLst/>
+              </a:prstGeom>
+              <a:noFill/>
+            </p:spPr>
+            <p:txBody>
+              <a:bodyPr wrap="square" rtlCol="0">
+                <a:spAutoFit/>
+              </a:bodyPr>
+              <a:lstStyle/>
+              <a:p>
+                <a:r>
+                  <a:rPr lang="en-US" altLang="ko-KR" sz="2200"/>
+                  <a:t>17</a:t>
+                </a:r>
+                <a:endParaRPr lang="ko-KR" altLang="en-US" sz="2200"/>
+              </a:p>
+            </p:txBody>
+          </p:sp>
+          <p:sp>
+            <p:nvSpPr>
+              <p:cNvPr id="7" name="TextBox 6">
+                <a:extLst>
+                  <a:ext uri="{FF2B5EF4-FFF2-40B4-BE49-F238E27FC236}">
+                    <a16:creationId xmlns:a16="http://schemas.microsoft.com/office/drawing/2014/main" id="{123D073F-8EA9-45CF-91F0-AC10C9B5490D}"/>
+                  </a:ext>
+                </a:extLst>
+              </p:cNvPr>
+              <p:cNvSpPr txBox="1"/>
+              <p:nvPr/>
+            </p:nvSpPr>
+            <p:spPr>
+              <a:xfrm>
+                <a:off x="7494494" y="1587334"/>
+                <a:ext cx="510989" cy="430887"/>
+              </a:xfrm>
+              <a:prstGeom prst="rect">
+                <a:avLst/>
+              </a:prstGeom>
+              <a:noFill/>
+            </p:spPr>
+            <p:txBody>
+              <a:bodyPr wrap="square" rtlCol="0">
+                <a:spAutoFit/>
+              </a:bodyPr>
+              <a:lstStyle/>
+              <a:p>
+                <a:r>
+                  <a:rPr lang="en-US" altLang="ko-KR" sz="2200"/>
+                  <a:t>26</a:t>
+                </a:r>
+                <a:endParaRPr lang="ko-KR" altLang="en-US" sz="2200"/>
+              </a:p>
+            </p:txBody>
+          </p:sp>
+          <p:sp>
+            <p:nvSpPr>
+              <p:cNvPr id="8" name="TextBox 7">
+                <a:extLst>
+                  <a:ext uri="{FF2B5EF4-FFF2-40B4-BE49-F238E27FC236}">
+                    <a16:creationId xmlns:a16="http://schemas.microsoft.com/office/drawing/2014/main" id="{891AAB30-C594-4407-960B-DABD9965DD47}"/>
+                  </a:ext>
+                </a:extLst>
+              </p:cNvPr>
+              <p:cNvSpPr txBox="1"/>
+              <p:nvPr/>
+            </p:nvSpPr>
+            <p:spPr>
+              <a:xfrm>
+                <a:off x="1281953" y="3429000"/>
+                <a:ext cx="510989" cy="430887"/>
+              </a:xfrm>
+              <a:prstGeom prst="rect">
+                <a:avLst/>
+              </a:prstGeom>
+              <a:noFill/>
+            </p:spPr>
+            <p:txBody>
+              <a:bodyPr wrap="square" rtlCol="0">
+                <a:spAutoFit/>
+              </a:bodyPr>
+              <a:lstStyle/>
+              <a:p>
+                <a:r>
+                  <a:rPr lang="en-US" altLang="ko-KR" sz="2200"/>
+                  <a:t>54</a:t>
+                </a:r>
+                <a:endParaRPr lang="ko-KR" altLang="en-US" sz="2200"/>
+              </a:p>
+            </p:txBody>
+          </p:sp>
+          <p:sp>
+            <p:nvSpPr>
+              <p:cNvPr id="9" name="TextBox 8">
+                <a:extLst>
+                  <a:ext uri="{FF2B5EF4-FFF2-40B4-BE49-F238E27FC236}">
+                    <a16:creationId xmlns:a16="http://schemas.microsoft.com/office/drawing/2014/main" id="{5B448DDA-C040-4D6B-829E-E979E9A5CC92}"/>
+                  </a:ext>
+                </a:extLst>
+              </p:cNvPr>
+              <p:cNvSpPr txBox="1"/>
+              <p:nvPr/>
+            </p:nvSpPr>
+            <p:spPr>
+              <a:xfrm>
+                <a:off x="2716307" y="4482353"/>
+                <a:ext cx="510989" cy="430887"/>
+              </a:xfrm>
+              <a:prstGeom prst="rect">
+                <a:avLst/>
+              </a:prstGeom>
+              <a:noFill/>
+            </p:spPr>
+            <p:txBody>
+              <a:bodyPr wrap="square" rtlCol="0">
+                <a:spAutoFit/>
+              </a:bodyPr>
+              <a:lstStyle/>
+              <a:p>
+                <a:r>
+                  <a:rPr lang="en-US" altLang="ko-KR" sz="2200"/>
+                  <a:t>77</a:t>
+                </a:r>
+                <a:endParaRPr lang="ko-KR" altLang="en-US" sz="2200"/>
+              </a:p>
+            </p:txBody>
+          </p:sp>
+          <p:sp>
+            <p:nvSpPr>
+              <p:cNvPr id="10" name="TextBox 9">
+                <a:extLst>
+                  <a:ext uri="{FF2B5EF4-FFF2-40B4-BE49-F238E27FC236}">
+                    <a16:creationId xmlns:a16="http://schemas.microsoft.com/office/drawing/2014/main" id="{68B2FD3E-9C2F-4EBA-80F1-B4457E73B775}"/>
+                  </a:ext>
+                </a:extLst>
+              </p:cNvPr>
+              <p:cNvSpPr txBox="1"/>
+              <p:nvPr/>
+            </p:nvSpPr>
+            <p:spPr>
+              <a:xfrm>
+                <a:off x="5585011" y="4133019"/>
+                <a:ext cx="510989" cy="430887"/>
+              </a:xfrm>
+              <a:prstGeom prst="rect">
+                <a:avLst/>
+              </a:prstGeom>
+              <a:noFill/>
+            </p:spPr>
+            <p:txBody>
+              <a:bodyPr wrap="square" rtlCol="0">
+                <a:spAutoFit/>
+              </a:bodyPr>
+              <a:lstStyle/>
+              <a:p>
+                <a:r>
+                  <a:rPr lang="en-US" altLang="ko-KR" sz="2200"/>
+                  <a:t>93</a:t>
+                </a:r>
+                <a:endParaRPr lang="ko-KR" altLang="en-US" sz="2200"/>
+              </a:p>
+            </p:txBody>
+          </p:sp>
+        </p:grpSp>
+        <p:sp>
+          <p:nvSpPr>
+            <p:cNvPr id="11" name="TextBox 10">
+              <a:extLst>
+                <a:ext uri="{FF2B5EF4-FFF2-40B4-BE49-F238E27FC236}">
+                  <a16:creationId xmlns:a16="http://schemas.microsoft.com/office/drawing/2014/main" id="{18C18ACA-866D-4F1B-B01B-177F022D766B}"/>
+                </a:ext>
+              </a:extLst>
+            </p:cNvPr>
+            <p:cNvSpPr txBox="1"/>
+            <p:nvPr/>
+          </p:nvSpPr>
+          <p:spPr>
+            <a:xfrm>
+              <a:off x="1456762" y="2979724"/>
+              <a:ext cx="909919" cy="430887"/>
+            </a:xfrm>
+            <a:prstGeom prst="rect">
+              <a:avLst/>
+            </a:prstGeom>
+            <a:noFill/>
+          </p:spPr>
+          <p:txBody>
+            <a:bodyPr wrap="square" rtlCol="0">
+              <a:spAutoFit/>
+            </a:bodyPr>
+            <a:lstStyle/>
+            <a:p>
+              <a:r>
+                <a:rPr lang="en-US" altLang="ko-KR" sz="2200"/>
+                <a:t>Head</a:t>
+              </a:r>
+              <a:endParaRPr lang="ko-KR" altLang="en-US" sz="2200"/>
+            </a:p>
+          </p:txBody>
+        </p:sp>
+        <p:cxnSp>
+          <p:nvCxnSpPr>
+            <p:cNvPr id="13" name="연결선: 구부러짐 12">
+              <a:extLst>
+                <a:ext uri="{FF2B5EF4-FFF2-40B4-BE49-F238E27FC236}">
+                  <a16:creationId xmlns:a16="http://schemas.microsoft.com/office/drawing/2014/main" id="{8FB20725-C70E-4C55-B61E-AC35D8D4C365}"/>
+                </a:ext>
+              </a:extLst>
+            </p:cNvPr>
+            <p:cNvCxnSpPr>
+              <a:stCxn id="11" idx="2"/>
+              <a:endCxn id="8" idx="1"/>
+            </p:cNvCxnSpPr>
+            <p:nvPr/>
+          </p:nvCxnSpPr>
+          <p:spPr>
+            <a:xfrm rot="16200000" flipH="1">
+              <a:off x="1800733" y="3521599"/>
+              <a:ext cx="878642" cy="656665"/>
+            </a:xfrm>
+            <a:prstGeom prst="curvedConnector2">
+              <a:avLst/>
+            </a:prstGeom>
+            <a:ln w="31750">
+              <a:solidFill>
+                <a:schemeClr val="tx1"/>
+              </a:solidFill>
+              <a:tailEnd type="triangle"/>
+            </a:ln>
+          </p:spPr>
+          <p:style>
+            <a:lnRef idx="1">
+              <a:schemeClr val="accent1"/>
+            </a:lnRef>
+            <a:fillRef idx="0">
+              <a:schemeClr val="accent1"/>
+            </a:fillRef>
+            <a:effectRef idx="0">
+              <a:schemeClr val="accent1"/>
+            </a:effectRef>
+            <a:fontRef idx="minor">
+              <a:schemeClr val="tx1"/>
+            </a:fontRef>
+          </p:style>
+        </p:cxnSp>
+        <p:cxnSp>
+          <p:nvCxnSpPr>
+            <p:cNvPr id="15" name="연결선: 구부러짐 14">
+              <a:extLst>
+                <a:ext uri="{FF2B5EF4-FFF2-40B4-BE49-F238E27FC236}">
+                  <a16:creationId xmlns:a16="http://schemas.microsoft.com/office/drawing/2014/main" id="{D3C27D01-156C-4E89-AD2F-9B79329ED842}"/>
+                </a:ext>
+              </a:extLst>
+            </p:cNvPr>
+            <p:cNvCxnSpPr>
+              <a:stCxn id="8" idx="3"/>
+              <a:endCxn id="7" idx="1"/>
+            </p:cNvCxnSpPr>
+            <p:nvPr/>
+          </p:nvCxnSpPr>
+          <p:spPr>
+            <a:xfrm flipV="1">
+              <a:off x="3104585" y="2368992"/>
+              <a:ext cx="5982829" cy="1920261"/>
+            </a:xfrm>
+            <a:prstGeom prst="curvedConnector3">
+              <a:avLst/>
+            </a:prstGeom>
+            <a:ln w="31750">
+              <a:solidFill>
+                <a:schemeClr val="tx1"/>
+              </a:solidFill>
+              <a:tailEnd type="triangle"/>
+            </a:ln>
+          </p:spPr>
+          <p:style>
+            <a:lnRef idx="1">
+              <a:schemeClr val="accent1"/>
+            </a:lnRef>
+            <a:fillRef idx="0">
+              <a:schemeClr val="accent1"/>
+            </a:fillRef>
+            <a:effectRef idx="0">
+              <a:schemeClr val="accent1"/>
+            </a:effectRef>
+            <a:fontRef idx="minor">
+              <a:schemeClr val="tx1"/>
+            </a:fontRef>
+          </p:style>
+        </p:cxnSp>
+        <p:cxnSp>
+          <p:nvCxnSpPr>
+            <p:cNvPr id="17" name="연결선: 구부러짐 16">
+              <a:extLst>
+                <a:ext uri="{FF2B5EF4-FFF2-40B4-BE49-F238E27FC236}">
+                  <a16:creationId xmlns:a16="http://schemas.microsoft.com/office/drawing/2014/main" id="{60DC8326-1995-4825-BBF5-40F772442C8C}"/>
+                </a:ext>
+              </a:extLst>
+            </p:cNvPr>
+            <p:cNvCxnSpPr>
+              <a:stCxn id="9" idx="0"/>
+              <a:endCxn id="5" idx="2"/>
+            </p:cNvCxnSpPr>
+            <p:nvPr/>
+          </p:nvCxnSpPr>
+          <p:spPr>
+            <a:xfrm rot="16200000" flipV="1">
+              <a:off x="2718996" y="3540315"/>
+              <a:ext cx="3036955" cy="208258"/>
+            </a:xfrm>
+            <a:prstGeom prst="curvedConnector3">
+              <a:avLst/>
+            </a:prstGeom>
+            <a:ln w="31750">
+              <a:solidFill>
+                <a:schemeClr val="tx1"/>
+              </a:solidFill>
+              <a:tailEnd type="triangle"/>
+            </a:ln>
+          </p:spPr>
+          <p:style>
+            <a:lnRef idx="1">
+              <a:schemeClr val="accent1"/>
+            </a:lnRef>
+            <a:fillRef idx="0">
+              <a:schemeClr val="accent1"/>
+            </a:fillRef>
+            <a:effectRef idx="0">
+              <a:schemeClr val="accent1"/>
+            </a:effectRef>
+            <a:fontRef idx="minor">
+              <a:schemeClr val="tx1"/>
+            </a:fontRef>
+          </p:style>
+        </p:cxnSp>
+        <p:cxnSp>
+          <p:nvCxnSpPr>
+            <p:cNvPr id="19" name="연결선: 구부러짐 18">
+              <a:extLst>
+                <a:ext uri="{FF2B5EF4-FFF2-40B4-BE49-F238E27FC236}">
+                  <a16:creationId xmlns:a16="http://schemas.microsoft.com/office/drawing/2014/main" id="{0D85F6A7-ED1B-496C-8C82-6360BE7F28F2}"/>
+                </a:ext>
+              </a:extLst>
+            </p:cNvPr>
+            <p:cNvCxnSpPr>
+              <a:stCxn id="6" idx="1"/>
+              <a:endCxn id="9" idx="3"/>
+            </p:cNvCxnSpPr>
+            <p:nvPr/>
+          </p:nvCxnSpPr>
+          <p:spPr>
+            <a:xfrm rot="10800000" flipV="1">
+              <a:off x="4609702" y="1470441"/>
+              <a:ext cx="3010227" cy="3917118"/>
+            </a:xfrm>
+            <a:prstGeom prst="curvedConnector3">
+              <a:avLst/>
+            </a:prstGeom>
+            <a:ln w="31750">
+              <a:solidFill>
+                <a:schemeClr val="tx1"/>
+              </a:solidFill>
+              <a:tailEnd type="triangle"/>
+            </a:ln>
+          </p:spPr>
+          <p:style>
+            <a:lnRef idx="1">
+              <a:schemeClr val="accent1"/>
+            </a:lnRef>
+            <a:fillRef idx="0">
+              <a:schemeClr val="accent1"/>
+            </a:fillRef>
+            <a:effectRef idx="0">
+              <a:schemeClr val="accent1"/>
+            </a:effectRef>
+            <a:fontRef idx="minor">
+              <a:schemeClr val="tx1"/>
+            </a:fontRef>
+          </p:style>
+        </p:cxnSp>
+        <p:cxnSp>
+          <p:nvCxnSpPr>
+            <p:cNvPr id="21" name="연결선: 구부러짐 20">
+              <a:extLst>
+                <a:ext uri="{FF2B5EF4-FFF2-40B4-BE49-F238E27FC236}">
+                  <a16:creationId xmlns:a16="http://schemas.microsoft.com/office/drawing/2014/main" id="{EDA441C3-9427-4C3E-A96D-126C45241031}"/>
+                </a:ext>
+              </a:extLst>
+            </p:cNvPr>
+            <p:cNvCxnSpPr>
+              <a:cxnSpLocks/>
+              <a:stCxn id="10" idx="0"/>
+              <a:endCxn id="6" idx="2"/>
+            </p:cNvCxnSpPr>
+            <p:nvPr/>
+          </p:nvCxnSpPr>
+          <p:spPr>
+            <a:xfrm rot="5400000" flipH="1" flipV="1">
+              <a:off x="6068128" y="2978780"/>
+              <a:ext cx="3103600" cy="536198"/>
+            </a:xfrm>
+            <a:prstGeom prst="curvedConnector3">
+              <a:avLst/>
+            </a:prstGeom>
+            <a:ln w="31750">
+              <a:solidFill>
+                <a:schemeClr val="tx1"/>
+              </a:solidFill>
+              <a:tailEnd type="triangle"/>
+            </a:ln>
+          </p:spPr>
+          <p:style>
+            <a:lnRef idx="1">
+              <a:schemeClr val="accent1"/>
+            </a:lnRef>
+            <a:fillRef idx="0">
+              <a:schemeClr val="accent1"/>
+            </a:fillRef>
+            <a:effectRef idx="0">
+              <a:schemeClr val="accent1"/>
+            </a:effectRef>
+            <a:fontRef idx="minor">
+              <a:schemeClr val="tx1"/>
+            </a:fontRef>
+          </p:style>
+        </p:cxnSp>
+        <p:cxnSp>
+          <p:nvCxnSpPr>
+            <p:cNvPr id="24" name="연결선: 구부러짐 23">
+              <a:extLst>
+                <a:ext uri="{FF2B5EF4-FFF2-40B4-BE49-F238E27FC236}">
+                  <a16:creationId xmlns:a16="http://schemas.microsoft.com/office/drawing/2014/main" id="{E4D33F2E-978A-4B06-91F8-ADFA46A83EB0}"/>
+                </a:ext>
+              </a:extLst>
+            </p:cNvPr>
+            <p:cNvCxnSpPr>
+              <a:stCxn id="7" idx="2"/>
+              <a:endCxn id="10" idx="3"/>
+            </p:cNvCxnSpPr>
+            <p:nvPr/>
+          </p:nvCxnSpPr>
+          <p:spPr>
+            <a:xfrm rot="5400000">
+              <a:off x="7272878" y="2940681"/>
+              <a:ext cx="2429687" cy="1735585"/>
+            </a:xfrm>
+            <a:prstGeom prst="curvedConnector2">
+              <a:avLst/>
+            </a:prstGeom>
+            <a:ln w="31750">
+              <a:solidFill>
+                <a:schemeClr val="tx1"/>
+              </a:solidFill>
+              <a:tailEnd type="triangle"/>
+            </a:ln>
+          </p:spPr>
+          <p:style>
+            <a:lnRef idx="1">
+              <a:schemeClr val="accent1"/>
+            </a:lnRef>
+            <a:fillRef idx="0">
+              <a:schemeClr val="accent1"/>
+            </a:fillRef>
+            <a:effectRef idx="0">
+              <a:schemeClr val="accent1"/>
+            </a:effectRef>
+            <a:fontRef idx="minor">
+              <a:schemeClr val="tx1"/>
+            </a:fontRef>
+          </p:style>
+        </p:cxnSp>
+      </p:grpSp>
+    </p:spTree>
+    <p:extLst>
+      <p:ext uri="{BB962C8B-B14F-4D97-AF65-F5344CB8AC3E}">
+        <p14:creationId xmlns:p14="http://schemas.microsoft.com/office/powerpoint/2010/main" val="1001643115"/>
+      </p:ext>
+    </p:extLst>
+  </p:cSld>
+  <p:clrMapOvr>
+    <a:masterClrMapping/>
+  </p:clrMapOvr>
+</p:sld>
+</file>
+
 <file path=ppt/slides/slide2.xml><?xml version="1.0" encoding="utf-8"?>
 <p:sld xmlns:a="http://schemas.openxmlformats.org/drawingml/2006/main" xmlns:r="http://schemas.openxmlformats.org/officeDocument/2006/relationships" xmlns:p="http://schemas.openxmlformats.org/presentationml/2006/main">
   <p:cSld>
